--- a/images/pic.pptx
+++ b/images/pic.pptx
@@ -1,11 +1,12 @@
 
 <file path=ppt/presentation.xml><?xml version="1.0" encoding="utf-8"?>
-<p:presentation xmlns:a="http://schemas.openxmlformats.org/drawingml/2006/main" xmlns:r="http://schemas.openxmlformats.org/officeDocument/2006/relationships" xmlns:p="http://schemas.openxmlformats.org/presentationml/2006/main" xmlns:m="http://schemas.openxmlformats.org/officeDocument/2006/math" xmlns:w="http://schemas.openxmlformats.org/wordprocessingml/2006/main" saveSubsetFonts="1">
+<p:presentation xmlns:a="http://schemas.openxmlformats.org/drawingml/2006/main" xmlns:r="http://schemas.openxmlformats.org/officeDocument/2006/relationships" xmlns:p="http://schemas.openxmlformats.org/presentationml/2006/main" saveSubsetFonts="1">
   <p:sldMasterIdLst>
     <p:sldMasterId id="2147483648" r:id="rId1"/>
   </p:sldMasterIdLst>
   <p:sldIdLst>
-    <p:sldId id="256" r:id="rId3"/>
+    <p:sldId id="256" r:id="rId2"/>
+    <p:sldId id="257" r:id="rId3"/>
   </p:sldIdLst>
   <p:sldSz cx="12192000" cy="6858000"/>
   <p:notesSz cx="12192000" cy="6858000"/>
@@ -13,7 +14,7 @@
     <a:defPPr>
       <a:defRPr lang="en-US"/>
     </a:defPPr>
-    <a:lvl1pPr marL="0" algn="l" defTabSz="914400">
+    <a:lvl1pPr marL="0" algn="l" defTabSz="914357">
       <a:defRPr sz="1800">
         <a:solidFill>
           <a:schemeClr val="tx1"/>
@@ -23,7 +24,7 @@
         <a:cs typeface="+mn-cs"/>
       </a:defRPr>
     </a:lvl1pPr>
-    <a:lvl2pPr marL="457200" algn="l" defTabSz="914400">
+    <a:lvl2pPr marL="457178" algn="l" defTabSz="914357">
       <a:defRPr sz="1800">
         <a:solidFill>
           <a:schemeClr val="tx1"/>
@@ -33,7 +34,7 @@
         <a:cs typeface="+mn-cs"/>
       </a:defRPr>
     </a:lvl2pPr>
-    <a:lvl3pPr marL="914400" algn="l" defTabSz="914400">
+    <a:lvl3pPr marL="914357" algn="l" defTabSz="914357">
       <a:defRPr sz="1800">
         <a:solidFill>
           <a:schemeClr val="tx1"/>
@@ -43,7 +44,7 @@
         <a:cs typeface="+mn-cs"/>
       </a:defRPr>
     </a:lvl3pPr>
-    <a:lvl4pPr marL="1371600" algn="l" defTabSz="914400">
+    <a:lvl4pPr marL="1371536" algn="l" defTabSz="914357">
       <a:defRPr sz="1800">
         <a:solidFill>
           <a:schemeClr val="tx1"/>
@@ -53,7 +54,7 @@
         <a:cs typeface="+mn-cs"/>
       </a:defRPr>
     </a:lvl4pPr>
-    <a:lvl5pPr marL="1828800" algn="l" defTabSz="914400">
+    <a:lvl5pPr marL="1828714" algn="l" defTabSz="914357">
       <a:defRPr sz="1800">
         <a:solidFill>
           <a:schemeClr val="tx1"/>
@@ -63,7 +64,7 @@
         <a:cs typeface="+mn-cs"/>
       </a:defRPr>
     </a:lvl5pPr>
-    <a:lvl6pPr marL="2286000" algn="l" defTabSz="914400">
+    <a:lvl6pPr marL="2285892" algn="l" defTabSz="914357">
       <a:defRPr sz="1800">
         <a:solidFill>
           <a:schemeClr val="tx1"/>
@@ -73,7 +74,7 @@
         <a:cs typeface="+mn-cs"/>
       </a:defRPr>
     </a:lvl6pPr>
-    <a:lvl7pPr marL="2743200" algn="l" defTabSz="914400">
+    <a:lvl7pPr marL="2743070" algn="l" defTabSz="914357">
       <a:defRPr sz="1800">
         <a:solidFill>
           <a:schemeClr val="tx1"/>
@@ -83,7 +84,7 @@
         <a:cs typeface="+mn-cs"/>
       </a:defRPr>
     </a:lvl7pPr>
-    <a:lvl8pPr marL="3200400" algn="l" defTabSz="914400">
+    <a:lvl8pPr marL="3200249" algn="l" defTabSz="914357">
       <a:defRPr sz="1800">
         <a:solidFill>
           <a:schemeClr val="tx1"/>
@@ -93,7 +94,7 @@
         <a:cs typeface="+mn-cs"/>
       </a:defRPr>
     </a:lvl8pPr>
-    <a:lvl9pPr marL="3657600" algn="l" defTabSz="914400">
+    <a:lvl9pPr marL="3657428" algn="l" defTabSz="914357">
       <a:defRPr sz="1800">
         <a:solidFill>
           <a:schemeClr val="tx1"/>
@@ -104,17 +105,33 @@
       </a:defRPr>
     </a:lvl9pPr>
   </p:defaultTextStyle>
+  <p:extLst>
+    <p:ext uri="{EFAFB233-063F-42B5-8137-9DF3F51BA10A}">
+      <p15:sldGuideLst xmlns:p15="http://schemas.microsoft.com/office/powerpoint/2012/main">
+        <p15:guide id="1" orient="horz" pos="2160" userDrawn="1">
+          <p15:clr>
+            <a:srgbClr val="A4A3A4"/>
+          </p15:clr>
+        </p15:guide>
+        <p15:guide id="2" pos="2880" userDrawn="1">
+          <p15:clr>
+            <a:srgbClr val="A4A3A4"/>
+          </p15:clr>
+        </p15:guide>
+      </p15:sldGuideLst>
+    </p:ext>
+  </p:extLst>
 </p:presentation>
 </file>
 
 <file path=ppt/slideLayouts/slideLayout1.xml><?xml version="1.0" encoding="utf-8"?>
-<p:sldLayout xmlns:a="http://schemas.openxmlformats.org/drawingml/2006/main" xmlns:r="http://schemas.openxmlformats.org/officeDocument/2006/relationships" xmlns:p="http://schemas.openxmlformats.org/presentationml/2006/main" xmlns:m="http://schemas.openxmlformats.org/officeDocument/2006/math" xmlns:w="http://schemas.openxmlformats.org/wordprocessingml/2006/main" matchingName="" preserve="1" showMasterPhAnim="0" type="title" userDrawn="1">
+<p:sldLayout xmlns:a="http://schemas.openxmlformats.org/drawingml/2006/main" xmlns:r="http://schemas.openxmlformats.org/officeDocument/2006/relationships" xmlns:p="http://schemas.openxmlformats.org/presentationml/2006/main" showMasterPhAnim="0" type="title" preserve="1" userDrawn="1">
   <p:cSld name="Title Slide">
     <p:spTree>
       <p:nvGrpSpPr>
-        <p:cNvPr id="1" name="" hidden="0"/>
+        <p:cNvPr id="1" name=""/>
         <p:cNvGrpSpPr/>
-        <p:nvPr isPhoto="0" userDrawn="0"/>
+        <p:nvPr/>
       </p:nvGrpSpPr>
       <p:grpSpPr bwMode="auto">
         <a:xfrm>
@@ -126,12 +143,12 @@
       </p:grpSpPr>
       <p:sp>
         <p:nvSpPr>
-          <p:cNvPr id="2" name="Title 1" hidden="0"/>
-          <p:cNvSpPr>
-            <a:spLocks noGrp="1"/>
-          </p:cNvSpPr>
-          <p:nvPr isPhoto="0" userDrawn="0">
-            <p:ph type="ctrTitle" hasCustomPrompt="0"/>
+          <p:cNvPr id="2" name="Title 1"/>
+          <p:cNvSpPr>
+            <a:spLocks noGrp="1"/>
+          </p:cNvSpPr>
+          <p:nvPr>
+            <p:ph type="ctrTitle"/>
           </p:nvPr>
         </p:nvSpPr>
         <p:spPr bwMode="auto">
@@ -155,18 +172,17 @@
               <a:rPr lang="zh-CN"/>
               <a:t>Click to edit Master title style</a:t>
             </a:r>
-            <a:endParaRPr lang="zh-CN"/>
-          </a:p>
-        </p:txBody>
-      </p:sp>
-      <p:sp>
-        <p:nvSpPr>
-          <p:cNvPr id="3" name="Subtitle 2" hidden="0"/>
-          <p:cNvSpPr>
-            <a:spLocks noGrp="1"/>
-          </p:cNvSpPr>
-          <p:nvPr isPhoto="0" userDrawn="0">
-            <p:ph type="subTitle" idx="1" hasCustomPrompt="0"/>
+          </a:p>
+        </p:txBody>
+      </p:sp>
+      <p:sp>
+        <p:nvSpPr>
+          <p:cNvPr id="3" name="Subtitle 2"/>
+          <p:cNvSpPr>
+            <a:spLocks noGrp="1"/>
+          </p:cNvSpPr>
+          <p:nvPr>
+            <p:ph type="subTitle" idx="1"/>
           </p:nvPr>
         </p:nvSpPr>
         <p:spPr bwMode="auto">
@@ -223,18 +239,17 @@
               <a:rPr lang="zh-CN"/>
               <a:t>Click to edit Master subtitle style</a:t>
             </a:r>
-            <a:endParaRPr lang="zh-CN"/>
-          </a:p>
-        </p:txBody>
-      </p:sp>
-      <p:sp>
-        <p:nvSpPr>
-          <p:cNvPr id="4" name="Date Placeholder 3" hidden="0"/>
-          <p:cNvSpPr>
-            <a:spLocks noGrp="1"/>
-          </p:cNvSpPr>
-          <p:nvPr isPhoto="0" userDrawn="0">
-            <p:ph type="dt" sz="half" idx="10" hasCustomPrompt="0"/>
+          </a:p>
+        </p:txBody>
+      </p:sp>
+      <p:sp>
+        <p:nvSpPr>
+          <p:cNvPr id="4" name="Date Placeholder 3"/>
+          <p:cNvSpPr>
+            <a:spLocks noGrp="1"/>
+          </p:cNvSpPr>
+          <p:nvPr>
+            <p:ph type="dt" sz="half" idx="10"/>
           </p:nvPr>
         </p:nvSpPr>
         <p:spPr bwMode="auto"/>
@@ -246,8 +261,8 @@
               <a:defRPr/>
             </a:pPr>
             <a:fld id="{BCC18F51-09EC-435C-A3BA-64A766E099C0}" type="datetimeFigureOut">
-              <a:rPr lang="zh-CN"/>
-              <a:t/>
+              <a:rPr lang="en-US" altLang="zh-CN"/>
+              <a:t>10/16/2023</a:t>
             </a:fld>
             <a:endParaRPr lang="zh-CN"/>
           </a:p>
@@ -255,12 +270,12 @@
       </p:sp>
       <p:sp>
         <p:nvSpPr>
-          <p:cNvPr id="5" name="Footer Placeholder 4" hidden="0"/>
-          <p:cNvSpPr>
-            <a:spLocks noGrp="1"/>
-          </p:cNvSpPr>
-          <p:nvPr isPhoto="0" userDrawn="0">
-            <p:ph type="ftr" sz="quarter" idx="11" hasCustomPrompt="0"/>
+          <p:cNvPr id="5" name="Footer Placeholder 4"/>
+          <p:cNvSpPr>
+            <a:spLocks noGrp="1"/>
+          </p:cNvSpPr>
+          <p:nvPr>
+            <p:ph type="ftr" sz="quarter" idx="11"/>
           </p:nvPr>
         </p:nvSpPr>
         <p:spPr bwMode="auto"/>
@@ -277,12 +292,12 @@
       </p:sp>
       <p:sp>
         <p:nvSpPr>
-          <p:cNvPr id="6" name="Slide Number Placeholder 5" hidden="0"/>
-          <p:cNvSpPr>
-            <a:spLocks noGrp="1"/>
-          </p:cNvSpPr>
-          <p:nvPr isPhoto="0" userDrawn="0">
-            <p:ph type="sldNum" sz="quarter" idx="12" hasCustomPrompt="0"/>
+          <p:cNvPr id="6" name="Slide Number Placeholder 5"/>
+          <p:cNvSpPr>
+            <a:spLocks noGrp="1"/>
+          </p:cNvSpPr>
+          <p:nvPr>
+            <p:ph type="sldNum" sz="quarter" idx="12"/>
           </p:nvPr>
         </p:nvSpPr>
         <p:spPr bwMode="auto"/>
@@ -294,8 +309,8 @@
               <a:defRPr/>
             </a:pPr>
             <a:fld id="{08395586-F03A-48D1-94DF-16B239DF4FB5}" type="slidenum">
-              <a:rPr lang="zh-CN"/>
-              <a:t/>
+              <a:rPr lang="en-US" altLang="zh-CN"/>
+              <a:t>‹#›</a:t>
             </a:fld>
             <a:endParaRPr lang="zh-CN"/>
           </a:p>
@@ -310,13 +325,13 @@
 </file>
 
 <file path=ppt/slideLayouts/slideLayout10.xml><?xml version="1.0" encoding="utf-8"?>
-<p:sldLayout xmlns:a="http://schemas.openxmlformats.org/drawingml/2006/main" xmlns:r="http://schemas.openxmlformats.org/officeDocument/2006/relationships" xmlns:p="http://schemas.openxmlformats.org/presentationml/2006/main" xmlns:m="http://schemas.openxmlformats.org/officeDocument/2006/math" xmlns:w="http://schemas.openxmlformats.org/wordprocessingml/2006/main" matchingName="" preserve="1" showMasterPhAnim="0" type="vertTx" userDrawn="1">
+<p:sldLayout xmlns:a="http://schemas.openxmlformats.org/drawingml/2006/main" xmlns:r="http://schemas.openxmlformats.org/officeDocument/2006/relationships" xmlns:p="http://schemas.openxmlformats.org/presentationml/2006/main" showMasterPhAnim="0" type="vertTx" preserve="1" userDrawn="1">
   <p:cSld name="Title and Vertical Text">
     <p:spTree>
       <p:nvGrpSpPr>
-        <p:cNvPr id="1" name="" hidden="0"/>
+        <p:cNvPr id="1" name=""/>
         <p:cNvGrpSpPr/>
-        <p:nvPr isPhoto="0" userDrawn="0"/>
+        <p:nvPr/>
       </p:nvGrpSpPr>
       <p:grpSpPr bwMode="auto">
         <a:xfrm>
@@ -328,12 +343,12 @@
       </p:grpSpPr>
       <p:sp>
         <p:nvSpPr>
-          <p:cNvPr id="2" name="Title 1" hidden="0"/>
-          <p:cNvSpPr>
-            <a:spLocks noGrp="1"/>
-          </p:cNvSpPr>
-          <p:nvPr isPhoto="0" userDrawn="0">
-            <p:ph type="title" hasCustomPrompt="0"/>
+          <p:cNvPr id="2" name="Title 1"/>
+          <p:cNvSpPr>
+            <a:spLocks noGrp="1"/>
+          </p:cNvSpPr>
+          <p:nvPr>
+            <p:ph type="title"/>
           </p:nvPr>
         </p:nvSpPr>
         <p:spPr bwMode="auto"/>
@@ -348,18 +363,17 @@
               <a:rPr lang="zh-CN"/>
               <a:t>Click to edit Master title style</a:t>
             </a:r>
-            <a:endParaRPr lang="zh-CN"/>
-          </a:p>
-        </p:txBody>
-      </p:sp>
-      <p:sp>
-        <p:nvSpPr>
-          <p:cNvPr id="3" name="Vertical Text Placeholder 2" hidden="0"/>
-          <p:cNvSpPr>
-            <a:spLocks noGrp="1"/>
-          </p:cNvSpPr>
-          <p:nvPr isPhoto="0" userDrawn="0">
-            <p:ph type="body" orient="vert" idx="1" hasCustomPrompt="0"/>
+          </a:p>
+        </p:txBody>
+      </p:sp>
+      <p:sp>
+        <p:nvSpPr>
+          <p:cNvPr id="3" name="Vertical Text Placeholder 2"/>
+          <p:cNvSpPr>
+            <a:spLocks noGrp="1"/>
+          </p:cNvSpPr>
+          <p:nvPr>
+            <p:ph type="body" orient="vert" idx="1"/>
           </p:nvPr>
         </p:nvSpPr>
         <p:spPr bwMode="auto"/>
@@ -414,18 +428,17 @@
               <a:rPr lang="zh-CN"/>
               <a:t>Fifth level</a:t>
             </a:r>
-            <a:endParaRPr lang="zh-CN"/>
-          </a:p>
-        </p:txBody>
-      </p:sp>
-      <p:sp>
-        <p:nvSpPr>
-          <p:cNvPr id="4" name="Date Placeholder 3" hidden="0"/>
-          <p:cNvSpPr>
-            <a:spLocks noGrp="1"/>
-          </p:cNvSpPr>
-          <p:nvPr isPhoto="0" userDrawn="0">
-            <p:ph type="dt" sz="half" idx="10" hasCustomPrompt="0"/>
+          </a:p>
+        </p:txBody>
+      </p:sp>
+      <p:sp>
+        <p:nvSpPr>
+          <p:cNvPr id="4" name="Date Placeholder 3"/>
+          <p:cNvSpPr>
+            <a:spLocks noGrp="1"/>
+          </p:cNvSpPr>
+          <p:nvPr>
+            <p:ph type="dt" sz="half" idx="10"/>
           </p:nvPr>
         </p:nvSpPr>
         <p:spPr bwMode="auto"/>
@@ -437,8 +450,8 @@
               <a:defRPr/>
             </a:pPr>
             <a:fld id="{BCC18F51-09EC-435C-A3BA-64A766E099C0}" type="datetimeFigureOut">
-              <a:rPr lang="zh-CN"/>
-              <a:t/>
+              <a:rPr lang="en-US" altLang="zh-CN"/>
+              <a:t>10/16/2023</a:t>
             </a:fld>
             <a:endParaRPr lang="zh-CN"/>
           </a:p>
@@ -446,12 +459,12 @@
       </p:sp>
       <p:sp>
         <p:nvSpPr>
-          <p:cNvPr id="5" name="Footer Placeholder 4" hidden="0"/>
-          <p:cNvSpPr>
-            <a:spLocks noGrp="1"/>
-          </p:cNvSpPr>
-          <p:nvPr isPhoto="0" userDrawn="0">
-            <p:ph type="ftr" sz="quarter" idx="11" hasCustomPrompt="0"/>
+          <p:cNvPr id="5" name="Footer Placeholder 4"/>
+          <p:cNvSpPr>
+            <a:spLocks noGrp="1"/>
+          </p:cNvSpPr>
+          <p:nvPr>
+            <p:ph type="ftr" sz="quarter" idx="11"/>
           </p:nvPr>
         </p:nvSpPr>
         <p:spPr bwMode="auto"/>
@@ -468,12 +481,12 @@
       </p:sp>
       <p:sp>
         <p:nvSpPr>
-          <p:cNvPr id="6" name="Slide Number Placeholder 5" hidden="0"/>
-          <p:cNvSpPr>
-            <a:spLocks noGrp="1"/>
-          </p:cNvSpPr>
-          <p:nvPr isPhoto="0" userDrawn="0">
-            <p:ph type="sldNum" sz="quarter" idx="12" hasCustomPrompt="0"/>
+          <p:cNvPr id="6" name="Slide Number Placeholder 5"/>
+          <p:cNvSpPr>
+            <a:spLocks noGrp="1"/>
+          </p:cNvSpPr>
+          <p:nvPr>
+            <p:ph type="sldNum" sz="quarter" idx="12"/>
           </p:nvPr>
         </p:nvSpPr>
         <p:spPr bwMode="auto"/>
@@ -485,8 +498,8 @@
               <a:defRPr/>
             </a:pPr>
             <a:fld id="{08395586-F03A-48D1-94DF-16B239DF4FB5}" type="slidenum">
-              <a:rPr lang="zh-CN"/>
-              <a:t/>
+              <a:rPr lang="en-US" altLang="zh-CN"/>
+              <a:t>‹#›</a:t>
             </a:fld>
             <a:endParaRPr lang="zh-CN"/>
           </a:p>
@@ -501,13 +514,13 @@
 </file>
 
 <file path=ppt/slideLayouts/slideLayout11.xml><?xml version="1.0" encoding="utf-8"?>
-<p:sldLayout xmlns:a="http://schemas.openxmlformats.org/drawingml/2006/main" xmlns:r="http://schemas.openxmlformats.org/officeDocument/2006/relationships" xmlns:p="http://schemas.openxmlformats.org/presentationml/2006/main" xmlns:m="http://schemas.openxmlformats.org/officeDocument/2006/math" xmlns:w="http://schemas.openxmlformats.org/wordprocessingml/2006/main" matchingName="" preserve="1" showMasterPhAnim="0" type="vertTitleAndTx" userDrawn="1">
+<p:sldLayout xmlns:a="http://schemas.openxmlformats.org/drawingml/2006/main" xmlns:r="http://schemas.openxmlformats.org/officeDocument/2006/relationships" xmlns:p="http://schemas.openxmlformats.org/presentationml/2006/main" showMasterPhAnim="0" type="vertTitleAndTx" preserve="1" userDrawn="1">
   <p:cSld name="Vertical Title and Text">
     <p:spTree>
       <p:nvGrpSpPr>
-        <p:cNvPr id="1" name="" hidden="0"/>
+        <p:cNvPr id="1" name=""/>
         <p:cNvGrpSpPr/>
-        <p:nvPr isPhoto="0" userDrawn="0"/>
+        <p:nvPr/>
       </p:nvGrpSpPr>
       <p:grpSpPr bwMode="auto">
         <a:xfrm>
@@ -519,12 +532,12 @@
       </p:grpSpPr>
       <p:sp>
         <p:nvSpPr>
-          <p:cNvPr id="2" name="Vertical Title 1" hidden="0"/>
-          <p:cNvSpPr>
-            <a:spLocks noGrp="1"/>
-          </p:cNvSpPr>
-          <p:nvPr isPhoto="0" userDrawn="0">
-            <p:ph type="title" orient="vert" hasCustomPrompt="0"/>
+          <p:cNvPr id="2" name="Vertical Title 1"/>
+          <p:cNvSpPr>
+            <a:spLocks noGrp="1"/>
+          </p:cNvSpPr>
+          <p:nvPr>
+            <p:ph type="title" orient="vert"/>
           </p:nvPr>
         </p:nvSpPr>
         <p:spPr bwMode="auto">
@@ -544,18 +557,17 @@
               <a:rPr lang="zh-CN"/>
               <a:t>Click to edit Master title style</a:t>
             </a:r>
-            <a:endParaRPr lang="zh-CN"/>
-          </a:p>
-        </p:txBody>
-      </p:sp>
-      <p:sp>
-        <p:nvSpPr>
-          <p:cNvPr id="3" name="Vertical Text Placeholder 2" hidden="0"/>
-          <p:cNvSpPr>
-            <a:spLocks noGrp="1"/>
-          </p:cNvSpPr>
-          <p:nvPr isPhoto="0" userDrawn="0">
-            <p:ph type="body" orient="vert" idx="1" hasCustomPrompt="0"/>
+          </a:p>
+        </p:txBody>
+      </p:sp>
+      <p:sp>
+        <p:nvSpPr>
+          <p:cNvPr id="3" name="Vertical Text Placeholder 2"/>
+          <p:cNvSpPr>
+            <a:spLocks noGrp="1"/>
+          </p:cNvSpPr>
+          <p:nvPr>
+            <p:ph type="body" orient="vert" idx="1"/>
           </p:nvPr>
         </p:nvSpPr>
         <p:spPr bwMode="auto">
@@ -615,18 +627,17 @@
               <a:rPr lang="zh-CN"/>
               <a:t>Fifth level</a:t>
             </a:r>
-            <a:endParaRPr lang="zh-CN"/>
-          </a:p>
-        </p:txBody>
-      </p:sp>
-      <p:sp>
-        <p:nvSpPr>
-          <p:cNvPr id="4" name="Date Placeholder 3" hidden="0"/>
-          <p:cNvSpPr>
-            <a:spLocks noGrp="1"/>
-          </p:cNvSpPr>
-          <p:nvPr isPhoto="0" userDrawn="0">
-            <p:ph type="dt" sz="half" idx="10" hasCustomPrompt="0"/>
+          </a:p>
+        </p:txBody>
+      </p:sp>
+      <p:sp>
+        <p:nvSpPr>
+          <p:cNvPr id="4" name="Date Placeholder 3"/>
+          <p:cNvSpPr>
+            <a:spLocks noGrp="1"/>
+          </p:cNvSpPr>
+          <p:nvPr>
+            <p:ph type="dt" sz="half" idx="10"/>
           </p:nvPr>
         </p:nvSpPr>
         <p:spPr bwMode="auto"/>
@@ -638,8 +649,8 @@
               <a:defRPr/>
             </a:pPr>
             <a:fld id="{BCC18F51-09EC-435C-A3BA-64A766E099C0}" type="datetimeFigureOut">
-              <a:rPr lang="zh-CN"/>
-              <a:t/>
+              <a:rPr lang="en-US" altLang="zh-CN"/>
+              <a:t>10/16/2023</a:t>
             </a:fld>
             <a:endParaRPr lang="zh-CN"/>
           </a:p>
@@ -647,12 +658,12 @@
       </p:sp>
       <p:sp>
         <p:nvSpPr>
-          <p:cNvPr id="5" name="Footer Placeholder 4" hidden="0"/>
-          <p:cNvSpPr>
-            <a:spLocks noGrp="1"/>
-          </p:cNvSpPr>
-          <p:nvPr isPhoto="0" userDrawn="0">
-            <p:ph type="ftr" sz="quarter" idx="11" hasCustomPrompt="0"/>
+          <p:cNvPr id="5" name="Footer Placeholder 4"/>
+          <p:cNvSpPr>
+            <a:spLocks noGrp="1"/>
+          </p:cNvSpPr>
+          <p:nvPr>
+            <p:ph type="ftr" sz="quarter" idx="11"/>
           </p:nvPr>
         </p:nvSpPr>
         <p:spPr bwMode="auto"/>
@@ -669,12 +680,12 @@
       </p:sp>
       <p:sp>
         <p:nvSpPr>
-          <p:cNvPr id="6" name="Slide Number Placeholder 5" hidden="0"/>
-          <p:cNvSpPr>
-            <a:spLocks noGrp="1"/>
-          </p:cNvSpPr>
-          <p:nvPr isPhoto="0" userDrawn="0">
-            <p:ph type="sldNum" sz="quarter" idx="12" hasCustomPrompt="0"/>
+          <p:cNvPr id="6" name="Slide Number Placeholder 5"/>
+          <p:cNvSpPr>
+            <a:spLocks noGrp="1"/>
+          </p:cNvSpPr>
+          <p:nvPr>
+            <p:ph type="sldNum" sz="quarter" idx="12"/>
           </p:nvPr>
         </p:nvSpPr>
         <p:spPr bwMode="auto"/>
@@ -686,8 +697,8 @@
               <a:defRPr/>
             </a:pPr>
             <a:fld id="{08395586-F03A-48D1-94DF-16B239DF4FB5}" type="slidenum">
-              <a:rPr lang="zh-CN"/>
-              <a:t/>
+              <a:rPr lang="en-US" altLang="zh-CN"/>
+              <a:t>‹#›</a:t>
             </a:fld>
             <a:endParaRPr lang="zh-CN"/>
           </a:p>
@@ -702,13 +713,13 @@
 </file>
 
 <file path=ppt/slideLayouts/slideLayout2.xml><?xml version="1.0" encoding="utf-8"?>
-<p:sldLayout xmlns:a="http://schemas.openxmlformats.org/drawingml/2006/main" xmlns:r="http://schemas.openxmlformats.org/officeDocument/2006/relationships" xmlns:p="http://schemas.openxmlformats.org/presentationml/2006/main" xmlns:m="http://schemas.openxmlformats.org/officeDocument/2006/math" xmlns:w="http://schemas.openxmlformats.org/wordprocessingml/2006/main" matchingName="" preserve="1" showMasterPhAnim="0" type="obj" userDrawn="1">
+<p:sldLayout xmlns:a="http://schemas.openxmlformats.org/drawingml/2006/main" xmlns:r="http://schemas.openxmlformats.org/officeDocument/2006/relationships" xmlns:p="http://schemas.openxmlformats.org/presentationml/2006/main" showMasterPhAnim="0" type="obj" preserve="1" userDrawn="1">
   <p:cSld name="Title and Content">
     <p:spTree>
       <p:nvGrpSpPr>
-        <p:cNvPr id="1" name="" hidden="0"/>
+        <p:cNvPr id="1" name=""/>
         <p:cNvGrpSpPr/>
-        <p:nvPr isPhoto="0" userDrawn="0"/>
+        <p:nvPr/>
       </p:nvGrpSpPr>
       <p:grpSpPr bwMode="auto">
         <a:xfrm>
@@ -720,12 +731,12 @@
       </p:grpSpPr>
       <p:sp>
         <p:nvSpPr>
-          <p:cNvPr id="2" name="Title 1" hidden="0"/>
-          <p:cNvSpPr>
-            <a:spLocks noGrp="1"/>
-          </p:cNvSpPr>
-          <p:nvPr isPhoto="0" userDrawn="0">
-            <p:ph type="title" hasCustomPrompt="0"/>
+          <p:cNvPr id="2" name="Title 1"/>
+          <p:cNvSpPr>
+            <a:spLocks noGrp="1"/>
+          </p:cNvSpPr>
+          <p:nvPr>
+            <p:ph type="title"/>
           </p:nvPr>
         </p:nvSpPr>
         <p:spPr bwMode="auto"/>
@@ -740,18 +751,17 @@
               <a:rPr lang="zh-CN"/>
               <a:t>Click to edit Master title style</a:t>
             </a:r>
-            <a:endParaRPr lang="zh-CN"/>
-          </a:p>
-        </p:txBody>
-      </p:sp>
-      <p:sp>
-        <p:nvSpPr>
-          <p:cNvPr id="3" name="Content Placeholder 2" hidden="0"/>
-          <p:cNvSpPr>
-            <a:spLocks noGrp="1"/>
-          </p:cNvSpPr>
-          <p:nvPr isPhoto="0" userDrawn="0">
-            <p:ph idx="1" hasCustomPrompt="0"/>
+          </a:p>
+        </p:txBody>
+      </p:sp>
+      <p:sp>
+        <p:nvSpPr>
+          <p:cNvPr id="3" name="Content Placeholder 2"/>
+          <p:cNvSpPr>
+            <a:spLocks noGrp="1"/>
+          </p:cNvSpPr>
+          <p:nvPr>
+            <p:ph idx="1"/>
           </p:nvPr>
         </p:nvSpPr>
         <p:spPr bwMode="auto"/>
@@ -806,18 +816,17 @@
               <a:rPr lang="zh-CN"/>
               <a:t>Fifth level</a:t>
             </a:r>
-            <a:endParaRPr lang="zh-CN"/>
-          </a:p>
-        </p:txBody>
-      </p:sp>
-      <p:sp>
-        <p:nvSpPr>
-          <p:cNvPr id="4" name="Date Placeholder 3" hidden="0"/>
-          <p:cNvSpPr>
-            <a:spLocks noGrp="1"/>
-          </p:cNvSpPr>
-          <p:nvPr isPhoto="0" userDrawn="0">
-            <p:ph type="dt" sz="half" idx="10" hasCustomPrompt="0"/>
+          </a:p>
+        </p:txBody>
+      </p:sp>
+      <p:sp>
+        <p:nvSpPr>
+          <p:cNvPr id="4" name="Date Placeholder 3"/>
+          <p:cNvSpPr>
+            <a:spLocks noGrp="1"/>
+          </p:cNvSpPr>
+          <p:nvPr>
+            <p:ph type="dt" sz="half" idx="10"/>
           </p:nvPr>
         </p:nvSpPr>
         <p:spPr bwMode="auto"/>
@@ -829,8 +838,8 @@
               <a:defRPr/>
             </a:pPr>
             <a:fld id="{BCC18F51-09EC-435C-A3BA-64A766E099C0}" type="datetimeFigureOut">
-              <a:rPr lang="zh-CN"/>
-              <a:t/>
+              <a:rPr lang="en-US" altLang="zh-CN"/>
+              <a:t>10/16/2023</a:t>
             </a:fld>
             <a:endParaRPr lang="zh-CN"/>
           </a:p>
@@ -838,12 +847,12 @@
       </p:sp>
       <p:sp>
         <p:nvSpPr>
-          <p:cNvPr id="5" name="Footer Placeholder 4" hidden="0"/>
-          <p:cNvSpPr>
-            <a:spLocks noGrp="1"/>
-          </p:cNvSpPr>
-          <p:nvPr isPhoto="0" userDrawn="0">
-            <p:ph type="ftr" sz="quarter" idx="11" hasCustomPrompt="0"/>
+          <p:cNvPr id="5" name="Footer Placeholder 4"/>
+          <p:cNvSpPr>
+            <a:spLocks noGrp="1"/>
+          </p:cNvSpPr>
+          <p:nvPr>
+            <p:ph type="ftr" sz="quarter" idx="11"/>
           </p:nvPr>
         </p:nvSpPr>
         <p:spPr bwMode="auto"/>
@@ -860,12 +869,12 @@
       </p:sp>
       <p:sp>
         <p:nvSpPr>
-          <p:cNvPr id="6" name="Slide Number Placeholder 5" hidden="0"/>
-          <p:cNvSpPr>
-            <a:spLocks noGrp="1"/>
-          </p:cNvSpPr>
-          <p:nvPr isPhoto="0" userDrawn="0">
-            <p:ph type="sldNum" sz="quarter" idx="12" hasCustomPrompt="0"/>
+          <p:cNvPr id="6" name="Slide Number Placeholder 5"/>
+          <p:cNvSpPr>
+            <a:spLocks noGrp="1"/>
+          </p:cNvSpPr>
+          <p:nvPr>
+            <p:ph type="sldNum" sz="quarter" idx="12"/>
           </p:nvPr>
         </p:nvSpPr>
         <p:spPr bwMode="auto"/>
@@ -877,8 +886,8 @@
               <a:defRPr/>
             </a:pPr>
             <a:fld id="{08395586-F03A-48D1-94DF-16B239DF4FB5}" type="slidenum">
-              <a:rPr lang="zh-CN"/>
-              <a:t/>
+              <a:rPr lang="en-US" altLang="zh-CN"/>
+              <a:t>‹#›</a:t>
             </a:fld>
             <a:endParaRPr lang="zh-CN"/>
           </a:p>
@@ -893,13 +902,13 @@
 </file>
 
 <file path=ppt/slideLayouts/slideLayout3.xml><?xml version="1.0" encoding="utf-8"?>
-<p:sldLayout xmlns:a="http://schemas.openxmlformats.org/drawingml/2006/main" xmlns:r="http://schemas.openxmlformats.org/officeDocument/2006/relationships" xmlns:p="http://schemas.openxmlformats.org/presentationml/2006/main" xmlns:m="http://schemas.openxmlformats.org/officeDocument/2006/math" xmlns:w="http://schemas.openxmlformats.org/wordprocessingml/2006/main" matchingName="" preserve="1" showMasterPhAnim="0" type="secHead" userDrawn="1">
+<p:sldLayout xmlns:a="http://schemas.openxmlformats.org/drawingml/2006/main" xmlns:r="http://schemas.openxmlformats.org/officeDocument/2006/relationships" xmlns:p="http://schemas.openxmlformats.org/presentationml/2006/main" showMasterPhAnim="0" type="secHead" preserve="1" userDrawn="1">
   <p:cSld name="Section Header">
     <p:spTree>
       <p:nvGrpSpPr>
-        <p:cNvPr id="1" name="" hidden="0"/>
+        <p:cNvPr id="1" name=""/>
         <p:cNvGrpSpPr/>
-        <p:nvPr isPhoto="0" userDrawn="0"/>
+        <p:nvPr/>
       </p:nvGrpSpPr>
       <p:grpSpPr bwMode="auto">
         <a:xfrm>
@@ -911,17 +920,17 @@
       </p:grpSpPr>
       <p:sp>
         <p:nvSpPr>
-          <p:cNvPr id="2" name="Title 1" hidden="0"/>
-          <p:cNvSpPr>
-            <a:spLocks noGrp="1"/>
-          </p:cNvSpPr>
-          <p:nvPr isPhoto="0" userDrawn="0">
-            <p:ph type="title" hasCustomPrompt="0"/>
+          <p:cNvPr id="2" name="Title 1"/>
+          <p:cNvSpPr>
+            <a:spLocks noGrp="1"/>
+          </p:cNvSpPr>
+          <p:nvPr>
+            <p:ph type="title"/>
           </p:nvPr>
         </p:nvSpPr>
         <p:spPr bwMode="auto">
           <a:xfrm>
-            <a:off x="831850" y="1709738"/>
+            <a:off x="831850" y="1709739"/>
             <a:ext cx="10515600" cy="2852737"/>
           </a:xfrm>
         </p:spPr>
@@ -940,23 +949,22 @@
               <a:rPr lang="zh-CN"/>
               <a:t>Click to edit Master title style</a:t>
             </a:r>
-            <a:endParaRPr lang="zh-CN"/>
-          </a:p>
-        </p:txBody>
-      </p:sp>
-      <p:sp>
-        <p:nvSpPr>
-          <p:cNvPr id="3" name="Text Placeholder 2" hidden="0"/>
-          <p:cNvSpPr>
-            <a:spLocks noGrp="1"/>
-          </p:cNvSpPr>
-          <p:nvPr isPhoto="0" userDrawn="0">
-            <p:ph type="body" idx="1" hasCustomPrompt="0"/>
+          </a:p>
+        </p:txBody>
+      </p:sp>
+      <p:sp>
+        <p:nvSpPr>
+          <p:cNvPr id="3" name="Text Placeholder 2"/>
+          <p:cNvSpPr>
+            <a:spLocks noGrp="1"/>
+          </p:cNvSpPr>
+          <p:nvPr>
+            <p:ph type="body" idx="1"/>
           </p:nvPr>
         </p:nvSpPr>
         <p:spPr bwMode="auto">
           <a:xfrm>
-            <a:off x="831850" y="4589463"/>
+            <a:off x="831850" y="4589464"/>
             <a:ext cx="10515600" cy="1500187"/>
           </a:xfrm>
         </p:spPr>
@@ -1068,12 +1076,12 @@
       </p:sp>
       <p:sp>
         <p:nvSpPr>
-          <p:cNvPr id="4" name="Date Placeholder 3" hidden="0"/>
-          <p:cNvSpPr>
-            <a:spLocks noGrp="1"/>
-          </p:cNvSpPr>
-          <p:nvPr isPhoto="0" userDrawn="0">
-            <p:ph type="dt" sz="half" idx="10" hasCustomPrompt="0"/>
+          <p:cNvPr id="4" name="Date Placeholder 3"/>
+          <p:cNvSpPr>
+            <a:spLocks noGrp="1"/>
+          </p:cNvSpPr>
+          <p:nvPr>
+            <p:ph type="dt" sz="half" idx="10"/>
           </p:nvPr>
         </p:nvSpPr>
         <p:spPr bwMode="auto"/>
@@ -1085,8 +1093,8 @@
               <a:defRPr/>
             </a:pPr>
             <a:fld id="{BCC18F51-09EC-435C-A3BA-64A766E099C0}" type="datetimeFigureOut">
-              <a:rPr lang="zh-CN"/>
-              <a:t/>
+              <a:rPr lang="en-US" altLang="zh-CN"/>
+              <a:t>10/16/2023</a:t>
             </a:fld>
             <a:endParaRPr lang="zh-CN"/>
           </a:p>
@@ -1094,12 +1102,12 @@
       </p:sp>
       <p:sp>
         <p:nvSpPr>
-          <p:cNvPr id="5" name="Footer Placeholder 4" hidden="0"/>
-          <p:cNvSpPr>
-            <a:spLocks noGrp="1"/>
-          </p:cNvSpPr>
-          <p:nvPr isPhoto="0" userDrawn="0">
-            <p:ph type="ftr" sz="quarter" idx="11" hasCustomPrompt="0"/>
+          <p:cNvPr id="5" name="Footer Placeholder 4"/>
+          <p:cNvSpPr>
+            <a:spLocks noGrp="1"/>
+          </p:cNvSpPr>
+          <p:nvPr>
+            <p:ph type="ftr" sz="quarter" idx="11"/>
           </p:nvPr>
         </p:nvSpPr>
         <p:spPr bwMode="auto"/>
@@ -1116,12 +1124,12 @@
       </p:sp>
       <p:sp>
         <p:nvSpPr>
-          <p:cNvPr id="6" name="Slide Number Placeholder 5" hidden="0"/>
-          <p:cNvSpPr>
-            <a:spLocks noGrp="1"/>
-          </p:cNvSpPr>
-          <p:nvPr isPhoto="0" userDrawn="0">
-            <p:ph type="sldNum" sz="quarter" idx="12" hasCustomPrompt="0"/>
+          <p:cNvPr id="6" name="Slide Number Placeholder 5"/>
+          <p:cNvSpPr>
+            <a:spLocks noGrp="1"/>
+          </p:cNvSpPr>
+          <p:nvPr>
+            <p:ph type="sldNum" sz="quarter" idx="12"/>
           </p:nvPr>
         </p:nvSpPr>
         <p:spPr bwMode="auto"/>
@@ -1133,8 +1141,8 @@
               <a:defRPr/>
             </a:pPr>
             <a:fld id="{08395586-F03A-48D1-94DF-16B239DF4FB5}" type="slidenum">
-              <a:rPr lang="zh-CN"/>
-              <a:t/>
+              <a:rPr lang="en-US" altLang="zh-CN"/>
+              <a:t>‹#›</a:t>
             </a:fld>
             <a:endParaRPr lang="zh-CN"/>
           </a:p>
@@ -1149,13 +1157,13 @@
 </file>
 
 <file path=ppt/slideLayouts/slideLayout4.xml><?xml version="1.0" encoding="utf-8"?>
-<p:sldLayout xmlns:a="http://schemas.openxmlformats.org/drawingml/2006/main" xmlns:r="http://schemas.openxmlformats.org/officeDocument/2006/relationships" xmlns:p="http://schemas.openxmlformats.org/presentationml/2006/main" xmlns:m="http://schemas.openxmlformats.org/officeDocument/2006/math" xmlns:w="http://schemas.openxmlformats.org/wordprocessingml/2006/main" matchingName="" preserve="1" showMasterPhAnim="0" type="twoObj" userDrawn="1">
+<p:sldLayout xmlns:a="http://schemas.openxmlformats.org/drawingml/2006/main" xmlns:r="http://schemas.openxmlformats.org/officeDocument/2006/relationships" xmlns:p="http://schemas.openxmlformats.org/presentationml/2006/main" showMasterPhAnim="0" type="twoObj" preserve="1" userDrawn="1">
   <p:cSld name="Two Content">
     <p:spTree>
       <p:nvGrpSpPr>
-        <p:cNvPr id="1" name="" hidden="0"/>
+        <p:cNvPr id="1" name=""/>
         <p:cNvGrpSpPr/>
-        <p:nvPr isPhoto="0" userDrawn="0"/>
+        <p:nvPr/>
       </p:nvGrpSpPr>
       <p:grpSpPr bwMode="auto">
         <a:xfrm>
@@ -1167,12 +1175,12 @@
       </p:grpSpPr>
       <p:sp>
         <p:nvSpPr>
-          <p:cNvPr id="2" name="Title 1" hidden="0"/>
-          <p:cNvSpPr>
-            <a:spLocks noGrp="1"/>
-          </p:cNvSpPr>
-          <p:nvPr isPhoto="0" userDrawn="0">
-            <p:ph type="title" hasCustomPrompt="0"/>
+          <p:cNvPr id="2" name="Title 1"/>
+          <p:cNvSpPr>
+            <a:spLocks noGrp="1"/>
+          </p:cNvSpPr>
+          <p:nvPr>
+            <p:ph type="title"/>
           </p:nvPr>
         </p:nvSpPr>
         <p:spPr bwMode="auto"/>
@@ -1187,18 +1195,17 @@
               <a:rPr lang="zh-CN"/>
               <a:t>Click to edit Master title style</a:t>
             </a:r>
-            <a:endParaRPr lang="zh-CN"/>
-          </a:p>
-        </p:txBody>
-      </p:sp>
-      <p:sp>
-        <p:nvSpPr>
-          <p:cNvPr id="3" name="Content Placeholder 2" hidden="0"/>
-          <p:cNvSpPr>
-            <a:spLocks noGrp="1"/>
-          </p:cNvSpPr>
-          <p:nvPr isPhoto="0" userDrawn="0">
-            <p:ph sz="half" idx="1" hasCustomPrompt="0"/>
+          </a:p>
+        </p:txBody>
+      </p:sp>
+      <p:sp>
+        <p:nvSpPr>
+          <p:cNvPr id="3" name="Content Placeholder 2"/>
+          <p:cNvSpPr>
+            <a:spLocks noGrp="1"/>
+          </p:cNvSpPr>
+          <p:nvPr>
+            <p:ph sz="half" idx="1"/>
           </p:nvPr>
         </p:nvSpPr>
         <p:spPr bwMode="auto">
@@ -1258,18 +1265,17 @@
               <a:rPr lang="zh-CN"/>
               <a:t>Fifth level</a:t>
             </a:r>
-            <a:endParaRPr lang="zh-CN"/>
-          </a:p>
-        </p:txBody>
-      </p:sp>
-      <p:sp>
-        <p:nvSpPr>
-          <p:cNvPr id="4" name="Content Placeholder 3" hidden="0"/>
-          <p:cNvSpPr>
-            <a:spLocks noGrp="1"/>
-          </p:cNvSpPr>
-          <p:nvPr isPhoto="0" userDrawn="0">
-            <p:ph sz="half" idx="2" hasCustomPrompt="0"/>
+          </a:p>
+        </p:txBody>
+      </p:sp>
+      <p:sp>
+        <p:nvSpPr>
+          <p:cNvPr id="4" name="Content Placeholder 3"/>
+          <p:cNvSpPr>
+            <a:spLocks noGrp="1"/>
+          </p:cNvSpPr>
+          <p:nvPr>
+            <p:ph sz="half" idx="2"/>
           </p:nvPr>
         </p:nvSpPr>
         <p:spPr bwMode="auto">
@@ -1329,18 +1335,17 @@
               <a:rPr lang="zh-CN"/>
               <a:t>Fifth level</a:t>
             </a:r>
-            <a:endParaRPr lang="zh-CN"/>
-          </a:p>
-        </p:txBody>
-      </p:sp>
-      <p:sp>
-        <p:nvSpPr>
-          <p:cNvPr id="5" name="Date Placeholder 4" hidden="0"/>
-          <p:cNvSpPr>
-            <a:spLocks noGrp="1"/>
-          </p:cNvSpPr>
-          <p:nvPr isPhoto="0" userDrawn="0">
-            <p:ph type="dt" sz="half" idx="10" hasCustomPrompt="0"/>
+          </a:p>
+        </p:txBody>
+      </p:sp>
+      <p:sp>
+        <p:nvSpPr>
+          <p:cNvPr id="5" name="Date Placeholder 4"/>
+          <p:cNvSpPr>
+            <a:spLocks noGrp="1"/>
+          </p:cNvSpPr>
+          <p:nvPr>
+            <p:ph type="dt" sz="half" idx="10"/>
           </p:nvPr>
         </p:nvSpPr>
         <p:spPr bwMode="auto"/>
@@ -1352,8 +1357,8 @@
               <a:defRPr/>
             </a:pPr>
             <a:fld id="{BCC18F51-09EC-435C-A3BA-64A766E099C0}" type="datetimeFigureOut">
-              <a:rPr lang="zh-CN"/>
-              <a:t/>
+              <a:rPr lang="en-US" altLang="zh-CN"/>
+              <a:t>10/16/2023</a:t>
             </a:fld>
             <a:endParaRPr lang="zh-CN"/>
           </a:p>
@@ -1361,12 +1366,12 @@
       </p:sp>
       <p:sp>
         <p:nvSpPr>
-          <p:cNvPr id="6" name="Footer Placeholder 5" hidden="0"/>
-          <p:cNvSpPr>
-            <a:spLocks noGrp="1"/>
-          </p:cNvSpPr>
-          <p:nvPr isPhoto="0" userDrawn="0">
-            <p:ph type="ftr" sz="quarter" idx="11" hasCustomPrompt="0"/>
+          <p:cNvPr id="6" name="Footer Placeholder 5"/>
+          <p:cNvSpPr>
+            <a:spLocks noGrp="1"/>
+          </p:cNvSpPr>
+          <p:nvPr>
+            <p:ph type="ftr" sz="quarter" idx="11"/>
           </p:nvPr>
         </p:nvSpPr>
         <p:spPr bwMode="auto"/>
@@ -1383,12 +1388,12 @@
       </p:sp>
       <p:sp>
         <p:nvSpPr>
-          <p:cNvPr id="7" name="Slide Number Placeholder 6" hidden="0"/>
-          <p:cNvSpPr>
-            <a:spLocks noGrp="1"/>
-          </p:cNvSpPr>
-          <p:nvPr isPhoto="0" userDrawn="0">
-            <p:ph type="sldNum" sz="quarter" idx="12" hasCustomPrompt="0"/>
+          <p:cNvPr id="7" name="Slide Number Placeholder 6"/>
+          <p:cNvSpPr>
+            <a:spLocks noGrp="1"/>
+          </p:cNvSpPr>
+          <p:nvPr>
+            <p:ph type="sldNum" sz="quarter" idx="12"/>
           </p:nvPr>
         </p:nvSpPr>
         <p:spPr bwMode="auto"/>
@@ -1400,8 +1405,8 @@
               <a:defRPr/>
             </a:pPr>
             <a:fld id="{08395586-F03A-48D1-94DF-16B239DF4FB5}" type="slidenum">
-              <a:rPr lang="zh-CN"/>
-              <a:t/>
+              <a:rPr lang="en-US" altLang="zh-CN"/>
+              <a:t>‹#›</a:t>
             </a:fld>
             <a:endParaRPr lang="zh-CN"/>
           </a:p>
@@ -1416,13 +1421,13 @@
 </file>
 
 <file path=ppt/slideLayouts/slideLayout5.xml><?xml version="1.0" encoding="utf-8"?>
-<p:sldLayout xmlns:a="http://schemas.openxmlformats.org/drawingml/2006/main" xmlns:r="http://schemas.openxmlformats.org/officeDocument/2006/relationships" xmlns:p="http://schemas.openxmlformats.org/presentationml/2006/main" xmlns:m="http://schemas.openxmlformats.org/officeDocument/2006/math" xmlns:w="http://schemas.openxmlformats.org/wordprocessingml/2006/main" matchingName="" preserve="1" showMasterPhAnim="0" type="twoTxTwoObj" userDrawn="1">
+<p:sldLayout xmlns:a="http://schemas.openxmlformats.org/drawingml/2006/main" xmlns:r="http://schemas.openxmlformats.org/officeDocument/2006/relationships" xmlns:p="http://schemas.openxmlformats.org/presentationml/2006/main" showMasterPhAnim="0" type="twoTxTwoObj" preserve="1" userDrawn="1">
   <p:cSld name="Comparison">
     <p:spTree>
       <p:nvGrpSpPr>
-        <p:cNvPr id="1" name="" hidden="0"/>
+        <p:cNvPr id="1" name=""/>
         <p:cNvGrpSpPr/>
-        <p:nvPr isPhoto="0" userDrawn="0"/>
+        <p:nvPr/>
       </p:nvGrpSpPr>
       <p:grpSpPr bwMode="auto">
         <a:xfrm>
@@ -1434,17 +1439,17 @@
       </p:grpSpPr>
       <p:sp>
         <p:nvSpPr>
-          <p:cNvPr id="2" name="Title 1" hidden="0"/>
-          <p:cNvSpPr>
-            <a:spLocks noGrp="1"/>
-          </p:cNvSpPr>
-          <p:nvPr isPhoto="0" userDrawn="0">
-            <p:ph type="title" hasCustomPrompt="0"/>
+          <p:cNvPr id="2" name="Title 1"/>
+          <p:cNvSpPr>
+            <a:spLocks noGrp="1"/>
+          </p:cNvSpPr>
+          <p:nvPr>
+            <p:ph type="title"/>
           </p:nvPr>
         </p:nvSpPr>
         <p:spPr bwMode="auto">
           <a:xfrm>
-            <a:off x="839788" y="365125"/>
+            <a:off x="839788" y="365126"/>
             <a:ext cx="10515600" cy="1325563"/>
           </a:xfrm>
         </p:spPr>
@@ -1459,18 +1464,17 @@
               <a:rPr lang="zh-CN"/>
               <a:t>Click to edit Master title style</a:t>
             </a:r>
-            <a:endParaRPr lang="zh-CN"/>
-          </a:p>
-        </p:txBody>
-      </p:sp>
-      <p:sp>
-        <p:nvSpPr>
-          <p:cNvPr id="3" name="Text Placeholder 2" hidden="0"/>
-          <p:cNvSpPr>
-            <a:spLocks noGrp="1"/>
-          </p:cNvSpPr>
-          <p:nvPr isPhoto="0" userDrawn="0">
-            <p:ph type="body" idx="1" hasCustomPrompt="0"/>
+          </a:p>
+        </p:txBody>
+      </p:sp>
+      <p:sp>
+        <p:nvSpPr>
+          <p:cNvPr id="3" name="Text Placeholder 2"/>
+          <p:cNvSpPr>
+            <a:spLocks noGrp="1"/>
+          </p:cNvSpPr>
+          <p:nvPr>
+            <p:ph type="body" idx="1"/>
           </p:nvPr>
         </p:nvSpPr>
         <p:spPr bwMode="auto">
@@ -1533,17 +1537,17 @@
       </p:sp>
       <p:sp>
         <p:nvSpPr>
-          <p:cNvPr id="4" name="Content Placeholder 3" hidden="0"/>
-          <p:cNvSpPr>
-            <a:spLocks noGrp="1"/>
-          </p:cNvSpPr>
-          <p:nvPr isPhoto="0" userDrawn="0">
-            <p:ph sz="half" idx="2" hasCustomPrompt="0"/>
+          <p:cNvPr id="4" name="Content Placeholder 3"/>
+          <p:cNvSpPr>
+            <a:spLocks noGrp="1"/>
+          </p:cNvSpPr>
+          <p:nvPr>
+            <p:ph sz="half" idx="2"/>
           </p:nvPr>
         </p:nvSpPr>
         <p:spPr bwMode="auto">
           <a:xfrm>
-            <a:off x="839788" y="2505074"/>
+            <a:off x="839788" y="2505075"/>
             <a:ext cx="5157787" cy="3684588"/>
           </a:xfrm>
         </p:spPr>
@@ -1598,18 +1602,17 @@
               <a:rPr lang="zh-CN"/>
               <a:t>Fifth level</a:t>
             </a:r>
-            <a:endParaRPr lang="zh-CN"/>
-          </a:p>
-        </p:txBody>
-      </p:sp>
-      <p:sp>
-        <p:nvSpPr>
-          <p:cNvPr id="5" name="Text Placeholder 4" hidden="0"/>
-          <p:cNvSpPr>
-            <a:spLocks noGrp="1"/>
-          </p:cNvSpPr>
-          <p:nvPr isPhoto="0" userDrawn="0">
-            <p:ph type="body" sz="quarter" idx="3" hasCustomPrompt="0"/>
+          </a:p>
+        </p:txBody>
+      </p:sp>
+      <p:sp>
+        <p:nvSpPr>
+          <p:cNvPr id="5" name="Text Placeholder 4"/>
+          <p:cNvSpPr>
+            <a:spLocks noGrp="1"/>
+          </p:cNvSpPr>
+          <p:nvPr>
+            <p:ph type="body" sz="quarter" idx="3"/>
           </p:nvPr>
         </p:nvSpPr>
         <p:spPr bwMode="auto">
@@ -1672,17 +1675,17 @@
       </p:sp>
       <p:sp>
         <p:nvSpPr>
-          <p:cNvPr id="6" name="Content Placeholder 5" hidden="0"/>
-          <p:cNvSpPr>
-            <a:spLocks noGrp="1"/>
-          </p:cNvSpPr>
-          <p:nvPr isPhoto="0" userDrawn="0">
-            <p:ph sz="quarter" idx="4" hasCustomPrompt="0"/>
+          <p:cNvPr id="6" name="Content Placeholder 5"/>
+          <p:cNvSpPr>
+            <a:spLocks noGrp="1"/>
+          </p:cNvSpPr>
+          <p:nvPr>
+            <p:ph sz="quarter" idx="4"/>
           </p:nvPr>
         </p:nvSpPr>
         <p:spPr bwMode="auto">
           <a:xfrm>
-            <a:off x="6172200" y="2505074"/>
+            <a:off x="6172200" y="2505075"/>
             <a:ext cx="5183188" cy="3684588"/>
           </a:xfrm>
         </p:spPr>
@@ -1737,18 +1740,17 @@
               <a:rPr lang="zh-CN"/>
               <a:t>Fifth level</a:t>
             </a:r>
-            <a:endParaRPr lang="zh-CN"/>
-          </a:p>
-        </p:txBody>
-      </p:sp>
-      <p:sp>
-        <p:nvSpPr>
-          <p:cNvPr id="7" name="Date Placeholder 6" hidden="0"/>
-          <p:cNvSpPr>
-            <a:spLocks noGrp="1"/>
-          </p:cNvSpPr>
-          <p:nvPr isPhoto="0" userDrawn="0">
-            <p:ph type="dt" sz="half" idx="10" hasCustomPrompt="0"/>
+          </a:p>
+        </p:txBody>
+      </p:sp>
+      <p:sp>
+        <p:nvSpPr>
+          <p:cNvPr id="7" name="Date Placeholder 6"/>
+          <p:cNvSpPr>
+            <a:spLocks noGrp="1"/>
+          </p:cNvSpPr>
+          <p:nvPr>
+            <p:ph type="dt" sz="half" idx="10"/>
           </p:nvPr>
         </p:nvSpPr>
         <p:spPr bwMode="auto"/>
@@ -1760,8 +1762,8 @@
               <a:defRPr/>
             </a:pPr>
             <a:fld id="{BCC18F51-09EC-435C-A3BA-64A766E099C0}" type="datetimeFigureOut">
-              <a:rPr lang="zh-CN"/>
-              <a:t/>
+              <a:rPr lang="en-US" altLang="zh-CN"/>
+              <a:t>10/16/2023</a:t>
             </a:fld>
             <a:endParaRPr lang="zh-CN"/>
           </a:p>
@@ -1769,12 +1771,12 @@
       </p:sp>
       <p:sp>
         <p:nvSpPr>
-          <p:cNvPr id="8" name="Footer Placeholder 7" hidden="0"/>
-          <p:cNvSpPr>
-            <a:spLocks noGrp="1"/>
-          </p:cNvSpPr>
-          <p:nvPr isPhoto="0" userDrawn="0">
-            <p:ph type="ftr" sz="quarter" idx="11" hasCustomPrompt="0"/>
+          <p:cNvPr id="8" name="Footer Placeholder 7"/>
+          <p:cNvSpPr>
+            <a:spLocks noGrp="1"/>
+          </p:cNvSpPr>
+          <p:nvPr>
+            <p:ph type="ftr" sz="quarter" idx="11"/>
           </p:nvPr>
         </p:nvSpPr>
         <p:spPr bwMode="auto"/>
@@ -1791,12 +1793,12 @@
       </p:sp>
       <p:sp>
         <p:nvSpPr>
-          <p:cNvPr id="9" name="Slide Number Placeholder 8" hidden="0"/>
-          <p:cNvSpPr>
-            <a:spLocks noGrp="1"/>
-          </p:cNvSpPr>
-          <p:nvPr isPhoto="0" userDrawn="0">
-            <p:ph type="sldNum" sz="quarter" idx="12" hasCustomPrompt="0"/>
+          <p:cNvPr id="9" name="Slide Number Placeholder 8"/>
+          <p:cNvSpPr>
+            <a:spLocks noGrp="1"/>
+          </p:cNvSpPr>
+          <p:nvPr>
+            <p:ph type="sldNum" sz="quarter" idx="12"/>
           </p:nvPr>
         </p:nvSpPr>
         <p:spPr bwMode="auto"/>
@@ -1808,8 +1810,8 @@
               <a:defRPr/>
             </a:pPr>
             <a:fld id="{08395586-F03A-48D1-94DF-16B239DF4FB5}" type="slidenum">
-              <a:rPr lang="zh-CN"/>
-              <a:t/>
+              <a:rPr lang="en-US" altLang="zh-CN"/>
+              <a:t>‹#›</a:t>
             </a:fld>
             <a:endParaRPr lang="zh-CN"/>
           </a:p>
@@ -1824,13 +1826,13 @@
 </file>
 
 <file path=ppt/slideLayouts/slideLayout6.xml><?xml version="1.0" encoding="utf-8"?>
-<p:sldLayout xmlns:a="http://schemas.openxmlformats.org/drawingml/2006/main" xmlns:r="http://schemas.openxmlformats.org/officeDocument/2006/relationships" xmlns:p="http://schemas.openxmlformats.org/presentationml/2006/main" xmlns:m="http://schemas.openxmlformats.org/officeDocument/2006/math" xmlns:w="http://schemas.openxmlformats.org/wordprocessingml/2006/main" matchingName="" preserve="1" showMasterPhAnim="0" type="titleOnly" userDrawn="1">
+<p:sldLayout xmlns:a="http://schemas.openxmlformats.org/drawingml/2006/main" xmlns:r="http://schemas.openxmlformats.org/officeDocument/2006/relationships" xmlns:p="http://schemas.openxmlformats.org/presentationml/2006/main" showMasterPhAnim="0" type="titleOnly" preserve="1" userDrawn="1">
   <p:cSld name="Title Only">
     <p:spTree>
       <p:nvGrpSpPr>
-        <p:cNvPr id="1" name="" hidden="0"/>
+        <p:cNvPr id="1" name=""/>
         <p:cNvGrpSpPr/>
-        <p:nvPr isPhoto="0" userDrawn="0"/>
+        <p:nvPr/>
       </p:nvGrpSpPr>
       <p:grpSpPr bwMode="auto">
         <a:xfrm>
@@ -1842,12 +1844,12 @@
       </p:grpSpPr>
       <p:sp>
         <p:nvSpPr>
-          <p:cNvPr id="2" name="Title 1" hidden="0"/>
-          <p:cNvSpPr>
-            <a:spLocks noGrp="1"/>
-          </p:cNvSpPr>
-          <p:nvPr isPhoto="0" userDrawn="0">
-            <p:ph type="title" hasCustomPrompt="0"/>
+          <p:cNvPr id="2" name="Title 1"/>
+          <p:cNvSpPr>
+            <a:spLocks noGrp="1"/>
+          </p:cNvSpPr>
+          <p:nvPr>
+            <p:ph type="title"/>
           </p:nvPr>
         </p:nvSpPr>
         <p:spPr bwMode="auto"/>
@@ -1862,18 +1864,17 @@
               <a:rPr lang="zh-CN"/>
               <a:t>Click to edit Master title style</a:t>
             </a:r>
-            <a:endParaRPr lang="zh-CN"/>
-          </a:p>
-        </p:txBody>
-      </p:sp>
-      <p:sp>
-        <p:nvSpPr>
-          <p:cNvPr id="3" name="Date Placeholder 2" hidden="0"/>
-          <p:cNvSpPr>
-            <a:spLocks noGrp="1"/>
-          </p:cNvSpPr>
-          <p:nvPr isPhoto="0" userDrawn="0">
-            <p:ph type="dt" sz="half" idx="10" hasCustomPrompt="0"/>
+          </a:p>
+        </p:txBody>
+      </p:sp>
+      <p:sp>
+        <p:nvSpPr>
+          <p:cNvPr id="3" name="Date Placeholder 2"/>
+          <p:cNvSpPr>
+            <a:spLocks noGrp="1"/>
+          </p:cNvSpPr>
+          <p:nvPr>
+            <p:ph type="dt" sz="half" idx="10"/>
           </p:nvPr>
         </p:nvSpPr>
         <p:spPr bwMode="auto"/>
@@ -1885,8 +1886,8 @@
               <a:defRPr/>
             </a:pPr>
             <a:fld id="{BCC18F51-09EC-435C-A3BA-64A766E099C0}" type="datetimeFigureOut">
-              <a:rPr lang="zh-CN"/>
-              <a:t/>
+              <a:rPr lang="en-US" altLang="zh-CN"/>
+              <a:t>10/16/2023</a:t>
             </a:fld>
             <a:endParaRPr lang="zh-CN"/>
           </a:p>
@@ -1894,12 +1895,12 @@
       </p:sp>
       <p:sp>
         <p:nvSpPr>
-          <p:cNvPr id="4" name="Footer Placeholder 3" hidden="0"/>
-          <p:cNvSpPr>
-            <a:spLocks noGrp="1"/>
-          </p:cNvSpPr>
-          <p:nvPr isPhoto="0" userDrawn="0">
-            <p:ph type="ftr" sz="quarter" idx="11" hasCustomPrompt="0"/>
+          <p:cNvPr id="4" name="Footer Placeholder 3"/>
+          <p:cNvSpPr>
+            <a:spLocks noGrp="1"/>
+          </p:cNvSpPr>
+          <p:nvPr>
+            <p:ph type="ftr" sz="quarter" idx="11"/>
           </p:nvPr>
         </p:nvSpPr>
         <p:spPr bwMode="auto"/>
@@ -1916,12 +1917,12 @@
       </p:sp>
       <p:sp>
         <p:nvSpPr>
-          <p:cNvPr id="5" name="Slide Number Placeholder 4" hidden="0"/>
-          <p:cNvSpPr>
-            <a:spLocks noGrp="1"/>
-          </p:cNvSpPr>
-          <p:nvPr isPhoto="0" userDrawn="0">
-            <p:ph type="sldNum" sz="quarter" idx="12" hasCustomPrompt="0"/>
+          <p:cNvPr id="5" name="Slide Number Placeholder 4"/>
+          <p:cNvSpPr>
+            <a:spLocks noGrp="1"/>
+          </p:cNvSpPr>
+          <p:nvPr>
+            <p:ph type="sldNum" sz="quarter" idx="12"/>
           </p:nvPr>
         </p:nvSpPr>
         <p:spPr bwMode="auto"/>
@@ -1933,8 +1934,8 @@
               <a:defRPr/>
             </a:pPr>
             <a:fld id="{08395586-F03A-48D1-94DF-16B239DF4FB5}" type="slidenum">
-              <a:rPr lang="zh-CN"/>
-              <a:t/>
+              <a:rPr lang="en-US" altLang="zh-CN"/>
+              <a:t>‹#›</a:t>
             </a:fld>
             <a:endParaRPr lang="zh-CN"/>
           </a:p>
@@ -1949,13 +1950,13 @@
 </file>
 
 <file path=ppt/slideLayouts/slideLayout7.xml><?xml version="1.0" encoding="utf-8"?>
-<p:sldLayout xmlns:a="http://schemas.openxmlformats.org/drawingml/2006/main" xmlns:r="http://schemas.openxmlformats.org/officeDocument/2006/relationships" xmlns:p="http://schemas.openxmlformats.org/presentationml/2006/main" xmlns:m="http://schemas.openxmlformats.org/officeDocument/2006/math" xmlns:w="http://schemas.openxmlformats.org/wordprocessingml/2006/main" matchingName="" preserve="1" showMasterPhAnim="0" type="blank" userDrawn="1">
+<p:sldLayout xmlns:a="http://schemas.openxmlformats.org/drawingml/2006/main" xmlns:r="http://schemas.openxmlformats.org/officeDocument/2006/relationships" xmlns:p="http://schemas.openxmlformats.org/presentationml/2006/main" showMasterPhAnim="0" type="blank" preserve="1" userDrawn="1">
   <p:cSld name="Blank">
     <p:spTree>
       <p:nvGrpSpPr>
-        <p:cNvPr id="1" name="" hidden="0"/>
+        <p:cNvPr id="1" name=""/>
         <p:cNvGrpSpPr/>
-        <p:nvPr isPhoto="0" userDrawn="0"/>
+        <p:nvPr/>
       </p:nvGrpSpPr>
       <p:grpSpPr bwMode="auto">
         <a:xfrm>
@@ -1967,12 +1968,12 @@
       </p:grpSpPr>
       <p:sp>
         <p:nvSpPr>
-          <p:cNvPr id="2" name="Date Placeholder 1" hidden="0"/>
-          <p:cNvSpPr>
-            <a:spLocks noGrp="1"/>
-          </p:cNvSpPr>
-          <p:nvPr isPhoto="0" userDrawn="0">
-            <p:ph type="dt" sz="half" idx="10" hasCustomPrompt="0"/>
+          <p:cNvPr id="2" name="Date Placeholder 1"/>
+          <p:cNvSpPr>
+            <a:spLocks noGrp="1"/>
+          </p:cNvSpPr>
+          <p:nvPr>
+            <p:ph type="dt" sz="half" idx="10"/>
           </p:nvPr>
         </p:nvSpPr>
         <p:spPr bwMode="auto"/>
@@ -1984,8 +1985,8 @@
               <a:defRPr/>
             </a:pPr>
             <a:fld id="{BCC18F51-09EC-435C-A3BA-64A766E099C0}" type="datetimeFigureOut">
-              <a:rPr lang="zh-CN"/>
-              <a:t/>
+              <a:rPr lang="en-US" altLang="zh-CN"/>
+              <a:t>10/16/2023</a:t>
             </a:fld>
             <a:endParaRPr lang="zh-CN"/>
           </a:p>
@@ -1993,12 +1994,12 @@
       </p:sp>
       <p:sp>
         <p:nvSpPr>
-          <p:cNvPr id="3" name="Footer Placeholder 2" hidden="0"/>
-          <p:cNvSpPr>
-            <a:spLocks noGrp="1"/>
-          </p:cNvSpPr>
-          <p:nvPr isPhoto="0" userDrawn="0">
-            <p:ph type="ftr" sz="quarter" idx="11" hasCustomPrompt="0"/>
+          <p:cNvPr id="3" name="Footer Placeholder 2"/>
+          <p:cNvSpPr>
+            <a:spLocks noGrp="1"/>
+          </p:cNvSpPr>
+          <p:nvPr>
+            <p:ph type="ftr" sz="quarter" idx="11"/>
           </p:nvPr>
         </p:nvSpPr>
         <p:spPr bwMode="auto"/>
@@ -2015,12 +2016,12 @@
       </p:sp>
       <p:sp>
         <p:nvSpPr>
-          <p:cNvPr id="4" name="Slide Number Placeholder 3" hidden="0"/>
-          <p:cNvSpPr>
-            <a:spLocks noGrp="1"/>
-          </p:cNvSpPr>
-          <p:nvPr isPhoto="0" userDrawn="0">
-            <p:ph type="sldNum" sz="quarter" idx="12" hasCustomPrompt="0"/>
+          <p:cNvPr id="4" name="Slide Number Placeholder 3"/>
+          <p:cNvSpPr>
+            <a:spLocks noGrp="1"/>
+          </p:cNvSpPr>
+          <p:nvPr>
+            <p:ph type="sldNum" sz="quarter" idx="12"/>
           </p:nvPr>
         </p:nvSpPr>
         <p:spPr bwMode="auto"/>
@@ -2032,8 +2033,8 @@
               <a:defRPr/>
             </a:pPr>
             <a:fld id="{08395586-F03A-48D1-94DF-16B239DF4FB5}" type="slidenum">
-              <a:rPr lang="zh-CN"/>
-              <a:t/>
+              <a:rPr lang="en-US" altLang="zh-CN"/>
+              <a:t>‹#›</a:t>
             </a:fld>
             <a:endParaRPr lang="zh-CN"/>
           </a:p>
@@ -2048,13 +2049,13 @@
 </file>
 
 <file path=ppt/slideLayouts/slideLayout8.xml><?xml version="1.0" encoding="utf-8"?>
-<p:sldLayout xmlns:a="http://schemas.openxmlformats.org/drawingml/2006/main" xmlns:r="http://schemas.openxmlformats.org/officeDocument/2006/relationships" xmlns:p="http://schemas.openxmlformats.org/presentationml/2006/main" xmlns:m="http://schemas.openxmlformats.org/officeDocument/2006/math" xmlns:w="http://schemas.openxmlformats.org/wordprocessingml/2006/main" matchingName="" preserve="1" showMasterPhAnim="0" type="objTx" userDrawn="1">
+<p:sldLayout xmlns:a="http://schemas.openxmlformats.org/drawingml/2006/main" xmlns:r="http://schemas.openxmlformats.org/officeDocument/2006/relationships" xmlns:p="http://schemas.openxmlformats.org/presentationml/2006/main" showMasterPhAnim="0" type="objTx" preserve="1" userDrawn="1">
   <p:cSld name="Content with Caption">
     <p:spTree>
       <p:nvGrpSpPr>
-        <p:cNvPr id="1" name="" hidden="0"/>
+        <p:cNvPr id="1" name=""/>
         <p:cNvGrpSpPr/>
-        <p:nvPr isPhoto="0" userDrawn="0"/>
+        <p:nvPr/>
       </p:nvGrpSpPr>
       <p:grpSpPr bwMode="auto">
         <a:xfrm>
@@ -2066,17 +2067,17 @@
       </p:grpSpPr>
       <p:sp>
         <p:nvSpPr>
-          <p:cNvPr id="2" name="Title 1" hidden="0"/>
-          <p:cNvSpPr>
-            <a:spLocks noGrp="1"/>
-          </p:cNvSpPr>
-          <p:nvPr isPhoto="0" userDrawn="0">
-            <p:ph type="title" hasCustomPrompt="0"/>
+          <p:cNvPr id="2" name="Title 1"/>
+          <p:cNvSpPr>
+            <a:spLocks noGrp="1"/>
+          </p:cNvSpPr>
+          <p:nvPr>
+            <p:ph type="title"/>
           </p:nvPr>
         </p:nvSpPr>
         <p:spPr bwMode="auto">
           <a:xfrm>
-            <a:off x="839788" y="457200"/>
+            <a:off x="839789" y="457200"/>
             <a:ext cx="3932237" cy="1600200"/>
           </a:xfrm>
         </p:spPr>
@@ -2095,23 +2096,22 @@
               <a:rPr lang="zh-CN"/>
               <a:t>Click to edit Master title style</a:t>
             </a:r>
-            <a:endParaRPr lang="zh-CN"/>
-          </a:p>
-        </p:txBody>
-      </p:sp>
-      <p:sp>
-        <p:nvSpPr>
-          <p:cNvPr id="3" name="Content Placeholder 2" hidden="0"/>
-          <p:cNvSpPr>
-            <a:spLocks noGrp="1"/>
-          </p:cNvSpPr>
-          <p:nvPr isPhoto="0" userDrawn="0">
-            <p:ph idx="1" hasCustomPrompt="0"/>
+          </a:p>
+        </p:txBody>
+      </p:sp>
+      <p:sp>
+        <p:nvSpPr>
+          <p:cNvPr id="3" name="Content Placeholder 2"/>
+          <p:cNvSpPr>
+            <a:spLocks noGrp="1"/>
+          </p:cNvSpPr>
+          <p:nvPr>
+            <p:ph idx="1"/>
           </p:nvPr>
         </p:nvSpPr>
         <p:spPr bwMode="auto">
           <a:xfrm>
-            <a:off x="5183188" y="987425"/>
+            <a:off x="5183188" y="987426"/>
             <a:ext cx="6172200" cy="4873625"/>
           </a:xfrm>
         </p:spPr>
@@ -2194,23 +2194,22 @@
               <a:rPr lang="zh-CN"/>
               <a:t>Fifth level</a:t>
             </a:r>
-            <a:endParaRPr lang="zh-CN"/>
-          </a:p>
-        </p:txBody>
-      </p:sp>
-      <p:sp>
-        <p:nvSpPr>
-          <p:cNvPr id="4" name="Text Placeholder 3" hidden="0"/>
-          <p:cNvSpPr>
-            <a:spLocks noGrp="1"/>
-          </p:cNvSpPr>
-          <p:nvPr isPhoto="0" userDrawn="0">
-            <p:ph type="body" sz="half" idx="2" hasCustomPrompt="0"/>
+          </a:p>
+        </p:txBody>
+      </p:sp>
+      <p:sp>
+        <p:nvSpPr>
+          <p:cNvPr id="4" name="Text Placeholder 3"/>
+          <p:cNvSpPr>
+            <a:spLocks noGrp="1"/>
+          </p:cNvSpPr>
+          <p:nvPr>
+            <p:ph type="body" sz="half" idx="2"/>
           </p:nvPr>
         </p:nvSpPr>
         <p:spPr bwMode="auto">
           <a:xfrm>
-            <a:off x="839788" y="2057400"/>
+            <a:off x="839789" y="2057400"/>
             <a:ext cx="3932237" cy="3811588"/>
           </a:xfrm>
         </p:spPr>
@@ -2268,12 +2267,12 @@
       </p:sp>
       <p:sp>
         <p:nvSpPr>
-          <p:cNvPr id="5" name="Date Placeholder 4" hidden="0"/>
-          <p:cNvSpPr>
-            <a:spLocks noGrp="1"/>
-          </p:cNvSpPr>
-          <p:nvPr isPhoto="0" userDrawn="0">
-            <p:ph type="dt" sz="half" idx="10" hasCustomPrompt="0"/>
+          <p:cNvPr id="5" name="Date Placeholder 4"/>
+          <p:cNvSpPr>
+            <a:spLocks noGrp="1"/>
+          </p:cNvSpPr>
+          <p:nvPr>
+            <p:ph type="dt" sz="half" idx="10"/>
           </p:nvPr>
         </p:nvSpPr>
         <p:spPr bwMode="auto"/>
@@ -2285,8 +2284,8 @@
               <a:defRPr/>
             </a:pPr>
             <a:fld id="{BCC18F51-09EC-435C-A3BA-64A766E099C0}" type="datetimeFigureOut">
-              <a:rPr lang="zh-CN"/>
-              <a:t/>
+              <a:rPr lang="en-US" altLang="zh-CN"/>
+              <a:t>10/16/2023</a:t>
             </a:fld>
             <a:endParaRPr lang="zh-CN"/>
           </a:p>
@@ -2294,12 +2293,12 @@
       </p:sp>
       <p:sp>
         <p:nvSpPr>
-          <p:cNvPr id="6" name="Footer Placeholder 5" hidden="0"/>
-          <p:cNvSpPr>
-            <a:spLocks noGrp="1"/>
-          </p:cNvSpPr>
-          <p:nvPr isPhoto="0" userDrawn="0">
-            <p:ph type="ftr" sz="quarter" idx="11" hasCustomPrompt="0"/>
+          <p:cNvPr id="6" name="Footer Placeholder 5"/>
+          <p:cNvSpPr>
+            <a:spLocks noGrp="1"/>
+          </p:cNvSpPr>
+          <p:nvPr>
+            <p:ph type="ftr" sz="quarter" idx="11"/>
           </p:nvPr>
         </p:nvSpPr>
         <p:spPr bwMode="auto"/>
@@ -2316,12 +2315,12 @@
       </p:sp>
       <p:sp>
         <p:nvSpPr>
-          <p:cNvPr id="7" name="Slide Number Placeholder 6" hidden="0"/>
-          <p:cNvSpPr>
-            <a:spLocks noGrp="1"/>
-          </p:cNvSpPr>
-          <p:nvPr isPhoto="0" userDrawn="0">
-            <p:ph type="sldNum" sz="quarter" idx="12" hasCustomPrompt="0"/>
+          <p:cNvPr id="7" name="Slide Number Placeholder 6"/>
+          <p:cNvSpPr>
+            <a:spLocks noGrp="1"/>
+          </p:cNvSpPr>
+          <p:nvPr>
+            <p:ph type="sldNum" sz="quarter" idx="12"/>
           </p:nvPr>
         </p:nvSpPr>
         <p:spPr bwMode="auto"/>
@@ -2333,8 +2332,8 @@
               <a:defRPr/>
             </a:pPr>
             <a:fld id="{08395586-F03A-48D1-94DF-16B239DF4FB5}" type="slidenum">
-              <a:rPr lang="zh-CN"/>
-              <a:t/>
+              <a:rPr lang="en-US" altLang="zh-CN"/>
+              <a:t>‹#›</a:t>
             </a:fld>
             <a:endParaRPr lang="zh-CN"/>
           </a:p>
@@ -2349,13 +2348,13 @@
 </file>
 
 <file path=ppt/slideLayouts/slideLayout9.xml><?xml version="1.0" encoding="utf-8"?>
-<p:sldLayout xmlns:a="http://schemas.openxmlformats.org/drawingml/2006/main" xmlns:r="http://schemas.openxmlformats.org/officeDocument/2006/relationships" xmlns:p="http://schemas.openxmlformats.org/presentationml/2006/main" xmlns:m="http://schemas.openxmlformats.org/officeDocument/2006/math" xmlns:w="http://schemas.openxmlformats.org/wordprocessingml/2006/main" matchingName="" preserve="1" showMasterPhAnim="0" type="picTx" userDrawn="1">
+<p:sldLayout xmlns:a="http://schemas.openxmlformats.org/drawingml/2006/main" xmlns:r="http://schemas.openxmlformats.org/officeDocument/2006/relationships" xmlns:p="http://schemas.openxmlformats.org/presentationml/2006/main" showMasterPhAnim="0" type="picTx" preserve="1" userDrawn="1">
   <p:cSld name="Picture with Caption">
     <p:spTree>
       <p:nvGrpSpPr>
-        <p:cNvPr id="1" name="" hidden="0"/>
+        <p:cNvPr id="1" name=""/>
         <p:cNvGrpSpPr/>
-        <p:nvPr isPhoto="0" userDrawn="0"/>
+        <p:nvPr/>
       </p:nvGrpSpPr>
       <p:grpSpPr bwMode="auto">
         <a:xfrm>
@@ -2367,17 +2366,17 @@
       </p:grpSpPr>
       <p:sp>
         <p:nvSpPr>
-          <p:cNvPr id="2" name="Title 1" hidden="0"/>
-          <p:cNvSpPr>
-            <a:spLocks noGrp="1"/>
-          </p:cNvSpPr>
-          <p:nvPr isPhoto="0" userDrawn="0">
-            <p:ph type="title" hasCustomPrompt="0"/>
+          <p:cNvPr id="2" name="Title 1"/>
+          <p:cNvSpPr>
+            <a:spLocks noGrp="1"/>
+          </p:cNvSpPr>
+          <p:nvPr>
+            <p:ph type="title"/>
           </p:nvPr>
         </p:nvSpPr>
         <p:spPr bwMode="auto">
           <a:xfrm>
-            <a:off x="839788" y="457200"/>
+            <a:off x="839789" y="457200"/>
             <a:ext cx="3932237" cy="1600200"/>
           </a:xfrm>
         </p:spPr>
@@ -2396,23 +2395,22 @@
               <a:rPr lang="zh-CN"/>
               <a:t>Click to edit Master title style</a:t>
             </a:r>
-            <a:endParaRPr lang="zh-CN"/>
-          </a:p>
-        </p:txBody>
-      </p:sp>
-      <p:sp>
-        <p:nvSpPr>
-          <p:cNvPr id="3" name="Picture Placeholder 2" hidden="0"/>
-          <p:cNvSpPr>
-            <a:spLocks noChangeAspect="1" noGrp="1"/>
-          </p:cNvSpPr>
-          <p:nvPr isPhoto="0" userDrawn="0">
-            <p:ph type="pic" idx="1" hasCustomPrompt="0"/>
+          </a:p>
+        </p:txBody>
+      </p:sp>
+      <p:sp>
+        <p:nvSpPr>
+          <p:cNvPr id="3" name="Picture Placeholder 2"/>
+          <p:cNvSpPr>
+            <a:spLocks noGrp="1" noChangeAspect="1"/>
+          </p:cNvSpPr>
+          <p:nvPr>
+            <p:ph type="pic" idx="1"/>
           </p:nvPr>
         </p:nvSpPr>
         <p:spPr bwMode="auto">
           <a:xfrm>
-            <a:off x="5183188" y="987425"/>
+            <a:off x="5183188" y="987426"/>
             <a:ext cx="6172200" cy="4873625"/>
           </a:xfrm>
         </p:spPr>
@@ -2464,23 +2462,22 @@
               <a:rPr lang="zh-CN"/>
               <a:t>Click icon to add picture</a:t>
             </a:r>
-            <a:endParaRPr lang="zh-CN"/>
-          </a:p>
-        </p:txBody>
-      </p:sp>
-      <p:sp>
-        <p:nvSpPr>
-          <p:cNvPr id="4" name="Text Placeholder 3" hidden="0"/>
-          <p:cNvSpPr>
-            <a:spLocks noGrp="1"/>
-          </p:cNvSpPr>
-          <p:nvPr isPhoto="0" userDrawn="0">
-            <p:ph type="body" sz="half" idx="2" hasCustomPrompt="0"/>
+          </a:p>
+        </p:txBody>
+      </p:sp>
+      <p:sp>
+        <p:nvSpPr>
+          <p:cNvPr id="4" name="Text Placeholder 3"/>
+          <p:cNvSpPr>
+            <a:spLocks noGrp="1"/>
+          </p:cNvSpPr>
+          <p:nvPr>
+            <p:ph type="body" sz="half" idx="2"/>
           </p:nvPr>
         </p:nvSpPr>
         <p:spPr bwMode="auto">
           <a:xfrm>
-            <a:off x="839788" y="2057400"/>
+            <a:off x="839789" y="2057400"/>
             <a:ext cx="3932237" cy="3811588"/>
           </a:xfrm>
         </p:spPr>
@@ -2538,12 +2535,12 @@
       </p:sp>
       <p:sp>
         <p:nvSpPr>
-          <p:cNvPr id="5" name="Date Placeholder 4" hidden="0"/>
-          <p:cNvSpPr>
-            <a:spLocks noGrp="1"/>
-          </p:cNvSpPr>
-          <p:nvPr isPhoto="0" userDrawn="0">
-            <p:ph type="dt" sz="half" idx="10" hasCustomPrompt="0"/>
+          <p:cNvPr id="5" name="Date Placeholder 4"/>
+          <p:cNvSpPr>
+            <a:spLocks noGrp="1"/>
+          </p:cNvSpPr>
+          <p:nvPr>
+            <p:ph type="dt" sz="half" idx="10"/>
           </p:nvPr>
         </p:nvSpPr>
         <p:spPr bwMode="auto"/>
@@ -2555,8 +2552,8 @@
               <a:defRPr/>
             </a:pPr>
             <a:fld id="{BCC18F51-09EC-435C-A3BA-64A766E099C0}" type="datetimeFigureOut">
-              <a:rPr lang="zh-CN"/>
-              <a:t/>
+              <a:rPr lang="en-US" altLang="zh-CN"/>
+              <a:t>10/16/2023</a:t>
             </a:fld>
             <a:endParaRPr lang="zh-CN"/>
           </a:p>
@@ -2564,12 +2561,12 @@
       </p:sp>
       <p:sp>
         <p:nvSpPr>
-          <p:cNvPr id="6" name="Footer Placeholder 5" hidden="0"/>
-          <p:cNvSpPr>
-            <a:spLocks noGrp="1"/>
-          </p:cNvSpPr>
-          <p:nvPr isPhoto="0" userDrawn="0">
-            <p:ph type="ftr" sz="quarter" idx="11" hasCustomPrompt="0"/>
+          <p:cNvPr id="6" name="Footer Placeholder 5"/>
+          <p:cNvSpPr>
+            <a:spLocks noGrp="1"/>
+          </p:cNvSpPr>
+          <p:nvPr>
+            <p:ph type="ftr" sz="quarter" idx="11"/>
           </p:nvPr>
         </p:nvSpPr>
         <p:spPr bwMode="auto"/>
@@ -2586,12 +2583,12 @@
       </p:sp>
       <p:sp>
         <p:nvSpPr>
-          <p:cNvPr id="7" name="Slide Number Placeholder 6" hidden="0"/>
-          <p:cNvSpPr>
-            <a:spLocks noGrp="1"/>
-          </p:cNvSpPr>
-          <p:nvPr isPhoto="0" userDrawn="0">
-            <p:ph type="sldNum" sz="quarter" idx="12" hasCustomPrompt="0"/>
+          <p:cNvPr id="7" name="Slide Number Placeholder 6"/>
+          <p:cNvSpPr>
+            <a:spLocks noGrp="1"/>
+          </p:cNvSpPr>
+          <p:nvPr>
+            <p:ph type="sldNum" sz="quarter" idx="12"/>
           </p:nvPr>
         </p:nvSpPr>
         <p:spPr bwMode="auto"/>
@@ -2603,8 +2600,8 @@
               <a:defRPr/>
             </a:pPr>
             <a:fld id="{08395586-F03A-48D1-94DF-16B239DF4FB5}" type="slidenum">
-              <a:rPr lang="zh-CN"/>
-              <a:t/>
+              <a:rPr lang="en-US" altLang="zh-CN"/>
+              <a:t>‹#›</a:t>
             </a:fld>
             <a:endParaRPr lang="zh-CN"/>
           </a:p>
@@ -2619,8 +2616,8 @@
 </file>
 
 <file path=ppt/slideMasters/slideMaster1.xml><?xml version="1.0" encoding="utf-8"?>
-<p:sldMaster xmlns:a="http://schemas.openxmlformats.org/drawingml/2006/main" xmlns:r="http://schemas.openxmlformats.org/officeDocument/2006/relationships" xmlns:p="http://schemas.openxmlformats.org/presentationml/2006/main" xmlns:m="http://schemas.openxmlformats.org/officeDocument/2006/math" xmlns:w="http://schemas.openxmlformats.org/wordprocessingml/2006/main" preserve="0">
-  <p:cSld name="">
+<p:sldMaster xmlns:a="http://schemas.openxmlformats.org/drawingml/2006/main" xmlns:r="http://schemas.openxmlformats.org/officeDocument/2006/relationships" xmlns:p="http://schemas.openxmlformats.org/presentationml/2006/main">
+  <p:cSld>
     <p:bg>
       <p:bgRef idx="1001">
         <a:schemeClr val="bg1"/>
@@ -2628,9 +2625,9 @@
     </p:bg>
     <p:spTree>
       <p:nvGrpSpPr>
-        <p:cNvPr id="1" name="" hidden="0"/>
+        <p:cNvPr id="1" name=""/>
         <p:cNvGrpSpPr/>
-        <p:nvPr isPhoto="0" userDrawn="0"/>
+        <p:nvPr/>
       </p:nvGrpSpPr>
       <p:grpSpPr bwMode="auto">
         <a:xfrm>
@@ -2642,17 +2639,17 @@
       </p:grpSpPr>
       <p:sp>
         <p:nvSpPr>
-          <p:cNvPr id="2" name="Title Placeholder 1" hidden="0"/>
-          <p:cNvSpPr>
-            <a:spLocks noGrp="1"/>
-          </p:cNvSpPr>
-          <p:nvPr isPhoto="0" userDrawn="0">
-            <p:ph type="title" hasCustomPrompt="0"/>
+          <p:cNvPr id="2" name="Title Placeholder 1"/>
+          <p:cNvSpPr>
+            <a:spLocks noGrp="1"/>
+          </p:cNvSpPr>
+          <p:nvPr>
+            <p:ph type="title"/>
           </p:nvPr>
         </p:nvSpPr>
         <p:spPr bwMode="auto">
           <a:xfrm>
-            <a:off x="838200" y="365125"/>
+            <a:off x="838200" y="365126"/>
             <a:ext cx="10515600" cy="1325563"/>
           </a:xfrm>
           <a:prstGeom prst="rect">
@@ -2672,18 +2669,17 @@
               <a:rPr lang="zh-CN"/>
               <a:t>Click to edit Master title style</a:t>
             </a:r>
-            <a:endParaRPr lang="zh-CN"/>
-          </a:p>
-        </p:txBody>
-      </p:sp>
-      <p:sp>
-        <p:nvSpPr>
-          <p:cNvPr id="3" name="Text Placeholder 2" hidden="0"/>
-          <p:cNvSpPr>
-            <a:spLocks noGrp="1"/>
-          </p:cNvSpPr>
-          <p:nvPr isPhoto="0" userDrawn="0">
-            <p:ph type="body" idx="1" hasCustomPrompt="0"/>
+          </a:p>
+        </p:txBody>
+      </p:sp>
+      <p:sp>
+        <p:nvSpPr>
+          <p:cNvPr id="3" name="Text Placeholder 2"/>
+          <p:cNvSpPr>
+            <a:spLocks noGrp="1"/>
+          </p:cNvSpPr>
+          <p:nvPr>
+            <p:ph type="body" idx="1"/>
           </p:nvPr>
         </p:nvSpPr>
         <p:spPr bwMode="auto">
@@ -2748,23 +2744,22 @@
               <a:rPr lang="zh-CN"/>
               <a:t>Fifth level</a:t>
             </a:r>
-            <a:endParaRPr lang="zh-CN"/>
-          </a:p>
-        </p:txBody>
-      </p:sp>
-      <p:sp>
-        <p:nvSpPr>
-          <p:cNvPr id="4" name="Date Placeholder 3" hidden="0"/>
-          <p:cNvSpPr>
-            <a:spLocks noGrp="1"/>
-          </p:cNvSpPr>
-          <p:nvPr isPhoto="0" userDrawn="0">
-            <p:ph type="dt" sz="half" idx="2" hasCustomPrompt="0"/>
+          </a:p>
+        </p:txBody>
+      </p:sp>
+      <p:sp>
+        <p:nvSpPr>
+          <p:cNvPr id="4" name="Date Placeholder 3"/>
+          <p:cNvSpPr>
+            <a:spLocks noGrp="1"/>
+          </p:cNvSpPr>
+          <p:nvPr>
+            <p:ph type="dt" sz="half" idx="2"/>
           </p:nvPr>
         </p:nvSpPr>
         <p:spPr bwMode="auto">
           <a:xfrm>
-            <a:off x="838200" y="6356350"/>
+            <a:off x="838200" y="6356351"/>
             <a:ext cx="2743200" cy="365125"/>
           </a:xfrm>
           <a:prstGeom prst="rect">
@@ -2789,8 +2784,8 @@
               <a:defRPr/>
             </a:pPr>
             <a:fld id="{BCC18F51-09EC-435C-A3BA-64A766E099C0}" type="datetimeFigureOut">
-              <a:rPr lang="zh-CN"/>
-              <a:t/>
+              <a:rPr lang="en-US" altLang="zh-CN"/>
+              <a:t>10/16/2023</a:t>
             </a:fld>
             <a:endParaRPr lang="zh-CN"/>
           </a:p>
@@ -2798,17 +2793,17 @@
       </p:sp>
       <p:sp>
         <p:nvSpPr>
-          <p:cNvPr id="5" name="Footer Placeholder 4" hidden="0"/>
-          <p:cNvSpPr>
-            <a:spLocks noGrp="1"/>
-          </p:cNvSpPr>
-          <p:nvPr isPhoto="0" userDrawn="0">
-            <p:ph type="ftr" sz="quarter" idx="3" hasCustomPrompt="0"/>
+          <p:cNvPr id="5" name="Footer Placeholder 4"/>
+          <p:cNvSpPr>
+            <a:spLocks noGrp="1"/>
+          </p:cNvSpPr>
+          <p:nvPr>
+            <p:ph type="ftr" sz="quarter" idx="3"/>
           </p:nvPr>
         </p:nvSpPr>
         <p:spPr bwMode="auto">
           <a:xfrm>
-            <a:off x="4038600" y="6356350"/>
+            <a:off x="4038600" y="6356351"/>
             <a:ext cx="4114800" cy="365125"/>
           </a:xfrm>
           <a:prstGeom prst="rect">
@@ -2838,17 +2833,17 @@
       </p:sp>
       <p:sp>
         <p:nvSpPr>
-          <p:cNvPr id="6" name="Slide Number Placeholder 5" hidden="0"/>
-          <p:cNvSpPr>
-            <a:spLocks noGrp="1"/>
-          </p:cNvSpPr>
-          <p:nvPr isPhoto="0" userDrawn="0">
-            <p:ph type="sldNum" sz="quarter" idx="4" hasCustomPrompt="0"/>
+          <p:cNvPr id="6" name="Slide Number Placeholder 5"/>
+          <p:cNvSpPr>
+            <a:spLocks noGrp="1"/>
+          </p:cNvSpPr>
+          <p:nvPr>
+            <p:ph type="sldNum" sz="quarter" idx="4"/>
           </p:nvPr>
         </p:nvSpPr>
         <p:spPr bwMode="auto">
           <a:xfrm>
-            <a:off x="8610600" y="6356350"/>
+            <a:off x="8610600" y="6356351"/>
             <a:ext cx="2743200" cy="365125"/>
           </a:xfrm>
           <a:prstGeom prst="rect">
@@ -2873,8 +2868,8 @@
               <a:defRPr/>
             </a:pPr>
             <a:fld id="{08395586-F03A-48D1-94DF-16B239DF4FB5}" type="slidenum">
-              <a:rPr lang="zh-CN"/>
-              <a:t/>
+              <a:rPr lang="en-US" altLang="zh-CN"/>
+              <a:t>‹#›</a:t>
             </a:fld>
             <a:endParaRPr lang="zh-CN"/>
           </a:p>
@@ -3180,13 +3175,13 @@
 </file>
 
 <file path=ppt/slides/slide1.xml><?xml version="1.0" encoding="utf-8"?>
-<p:sld xmlns:a="http://schemas.openxmlformats.org/drawingml/2006/main" xmlns:r="http://schemas.openxmlformats.org/officeDocument/2006/relationships" xmlns:p="http://schemas.openxmlformats.org/presentationml/2006/main" xmlns:m="http://schemas.openxmlformats.org/officeDocument/2006/math" xmlns:w="http://schemas.openxmlformats.org/wordprocessingml/2006/main" showMasterPhAnim="0" show="1">
-  <p:cSld name="">
+<p:sld xmlns:a="http://schemas.openxmlformats.org/drawingml/2006/main" xmlns:r="http://schemas.openxmlformats.org/officeDocument/2006/relationships" xmlns:p="http://schemas.openxmlformats.org/presentationml/2006/main" showMasterPhAnim="0">
+  <p:cSld>
     <p:spTree>
       <p:nvGrpSpPr>
-        <p:cNvPr id="1" name="" hidden="0"/>
+        <p:cNvPr id="1" name=""/>
         <p:cNvGrpSpPr/>
-        <p:nvPr isPhoto="0" userDrawn="0"/>
+        <p:nvPr/>
       </p:nvGrpSpPr>
       <p:grpSpPr bwMode="auto">
         <a:xfrm>
@@ -3196,68 +3191,114 @@
           <a:chExt cx="0" cy="0"/>
         </a:xfrm>
       </p:grpSpPr>
-      <p:sp>
-        <p:nvSpPr>
-          <p:cNvPr id="2" name="Title 1" hidden="0"/>
-          <p:cNvSpPr>
-            <a:spLocks noGrp="1"/>
-          </p:cNvSpPr>
-          <p:nvPr isPhoto="0" userDrawn="0">
-            <p:ph type="ctrTitle" hasCustomPrompt="0"/>
-          </p:nvPr>
-        </p:nvSpPr>
-        <p:spPr bwMode="auto"/>
-        <p:txBody>
-          <a:bodyPr/>
-          <a:lstStyle/>
-          <a:p>
-            <a:pPr>
-              <a:defRPr/>
-            </a:pPr>
-            <a:endParaRPr lang="zh-CN"/>
-          </a:p>
-        </p:txBody>
-      </p:sp>
-      <p:sp>
-        <p:nvSpPr>
-          <p:cNvPr id="3" name="Subtitle 2" hidden="0"/>
-          <p:cNvSpPr>
-            <a:spLocks noGrp="1"/>
-          </p:cNvSpPr>
-          <p:nvPr isPhoto="0" userDrawn="0">
-            <p:ph type="subTitle" idx="1" hasCustomPrompt="0"/>
-          </p:nvPr>
-        </p:nvSpPr>
-        <p:spPr bwMode="auto"/>
-        <p:txBody>
-          <a:bodyPr/>
-          <a:lstStyle/>
-          <a:p>
-            <a:pPr>
-              <a:defRPr/>
-            </a:pPr>
-            <a:endParaRPr lang="zh-CN"/>
-          </a:p>
-        </p:txBody>
-      </p:sp>
+      <p:pic>
+        <p:nvPicPr>
+          <p:cNvPr id="4" name="图片 3"/>
+          <p:cNvPicPr>
+            <a:picLocks noChangeAspect="1"/>
+          </p:cNvPicPr>
+          <p:nvPr/>
+        </p:nvPicPr>
+        <p:blipFill>
+          <a:blip r:embed="rId2" cstate="print">
+            <a:extLst>
+              <a:ext uri="{28A0092B-C50C-407E-A947-70E740481C1C}">
+                <a14:useLocalDpi xmlns:a14="http://schemas.microsoft.com/office/drawing/2010/main" val="0"/>
+              </a:ext>
+            </a:extLst>
+          </a:blip>
+          <a:stretch>
+            <a:fillRect/>
+          </a:stretch>
+        </p:blipFill>
+        <p:spPr>
+          <a:xfrm>
+            <a:off x="2783632" y="2075849"/>
+            <a:ext cx="1811640" cy="1366443"/>
+          </a:xfrm>
+          <a:prstGeom prst="rect">
+            <a:avLst/>
+          </a:prstGeom>
+        </p:spPr>
+      </p:pic>
     </p:spTree>
   </p:cSld>
   <p:clrMapOvr>
     <a:masterClrMapping/>
   </p:clrMapOvr>
-  <mc:AlternateContent xmlns:mc="http://schemas.openxmlformats.org/markup-compatibility/2006">
-    <mc:Choice xmlns:p14="http://schemas.microsoft.com/office/powerpoint/2010/main" Requires="p14">
-      <p:transition p14:dur="2000" advClick="1"/>
+  <mc:AlternateContent xmlns:mc="http://schemas.openxmlformats.org/markup-compatibility/2006" xmlns:p14="http://schemas.microsoft.com/office/powerpoint/2010/main">
+    <mc:Choice Requires="p14">
+      <p:transition spd="slow" p14:dur="2000"/>
     </mc:Choice>
-    <mc:Fallback>
+    <mc:Fallback xmlns:w="http://schemas.openxmlformats.org/wordprocessingml/2006/main" xmlns:m="http://schemas.openxmlformats.org/officeDocument/2006/math" xmlns="">
       <p:transition advClick="1"/>
     </mc:Fallback>
   </mc:AlternateContent>
 </p:sld>
 </file>
 
+<file path=ppt/slides/slide2.xml><?xml version="1.0" encoding="utf-8"?>
+<p:sld xmlns:a="http://schemas.openxmlformats.org/drawingml/2006/main" xmlns:r="http://schemas.openxmlformats.org/officeDocument/2006/relationships" xmlns:p="http://schemas.openxmlformats.org/presentationml/2006/main">
+  <p:cSld>
+    <p:spTree>
+      <p:nvGrpSpPr>
+        <p:cNvPr id="1" name=""/>
+        <p:cNvGrpSpPr/>
+        <p:nvPr/>
+      </p:nvGrpSpPr>
+      <p:grpSpPr>
+        <a:xfrm>
+          <a:off x="0" y="0"/>
+          <a:ext cx="0" cy="0"/>
+          <a:chOff x="0" y="0"/>
+          <a:chExt cx="0" cy="0"/>
+        </a:xfrm>
+      </p:grpSpPr>
+      <p:pic>
+        <p:nvPicPr>
+          <p:cNvPr id="4" name="图片 3"/>
+          <p:cNvPicPr>
+            <a:picLocks noChangeAspect="1"/>
+          </p:cNvPicPr>
+          <p:nvPr/>
+        </p:nvPicPr>
+        <p:blipFill>
+          <a:blip r:embed="rId2" cstate="print">
+            <a:extLst>
+              <a:ext uri="{28A0092B-C50C-407E-A947-70E740481C1C}">
+                <a14:useLocalDpi xmlns:a14="http://schemas.microsoft.com/office/drawing/2010/main" val="0"/>
+              </a:ext>
+            </a:extLst>
+          </a:blip>
+          <a:stretch>
+            <a:fillRect/>
+          </a:stretch>
+        </p:blipFill>
+        <p:spPr>
+          <a:xfrm>
+            <a:off x="2639615" y="2421122"/>
+            <a:ext cx="1945379" cy="1138125"/>
+          </a:xfrm>
+          <a:prstGeom prst="rect">
+            <a:avLst/>
+          </a:prstGeom>
+        </p:spPr>
+      </p:pic>
+    </p:spTree>
+    <p:extLst>
+      <p:ext uri="{BB962C8B-B14F-4D97-AF65-F5344CB8AC3E}">
+        <p14:creationId xmlns:p14="http://schemas.microsoft.com/office/powerpoint/2010/main" val="2045497118"/>
+      </p:ext>
+    </p:extLst>
+  </p:cSld>
+  <p:clrMapOvr>
+    <a:masterClrMapping/>
+  </p:clrMapOvr>
+</p:sld>
+</file>
+
 <file path=ppt/theme/theme1.xml><?xml version="1.0" encoding="utf-8"?>
-<a:theme xmlns:a="http://schemas.openxmlformats.org/drawingml/2006/main" xmlns:r="http://schemas.openxmlformats.org/officeDocument/2006/relationships" xmlns:p="http://schemas.openxmlformats.org/presentationml/2006/main" name="Office Theme">
+<a:theme xmlns:a="http://schemas.openxmlformats.org/drawingml/2006/main" name="Office Theme">
   <a:themeElements>
     <a:clrScheme name="New Office">
       <a:dk1>
@@ -3460,5 +3501,6 @@
     </a:fmtScheme>
   </a:themeElements>
   <a:objectDefaults/>
+  <a:extraClrSchemeLst/>
 </a:theme>
 </file>